--- a/Slides/ReachabilityTimedAutomata.pptx
+++ b/Slides/ReachabilityTimedAutomata.pptx
@@ -5,7 +5,7 @@
     <p:sldMasterId id="2147483648" r:id="rId1"/>
   </p:sldMasterIdLst>
   <p:notesMasterIdLst>
-    <p:notesMasterId r:id="rId42"/>
+    <p:notesMasterId r:id="rId43"/>
   </p:notesMasterIdLst>
   <p:sldIdLst>
     <p:sldId id="324" r:id="rId2"/>
@@ -46,8 +46,9 @@
     <p:sldId id="466" r:id="rId37"/>
     <p:sldId id="469" r:id="rId38"/>
     <p:sldId id="468" r:id="rId39"/>
-    <p:sldId id="470" r:id="rId40"/>
-    <p:sldId id="471" r:id="rId41"/>
+    <p:sldId id="472" r:id="rId40"/>
+    <p:sldId id="473" r:id="rId41"/>
+    <p:sldId id="471" r:id="rId42"/>
   </p:sldIdLst>
   <p:sldSz cx="9144000" cy="6858000" type="screen4x3"/>
   <p:notesSz cx="6858000" cy="9144000"/>
@@ -647,7 +648,7 @@
           <a:p>
             <a:fld id="{6B62BFAB-8FF8-6341-B15F-2DC58818824E}" type="slidenum">
               <a:rPr lang="en-US" smtClean="0"/>
-              <a:t>40</a:t>
+              <a:t>41</a:t>
             </a:fld>
             <a:endParaRPr lang="en-US"/>
           </a:p>
@@ -15685,8 +15686,8 @@
           </a:p>
         </p:txBody>
       </p:sp>
-      <mc:AlternateContent xmlns:mc="http://schemas.openxmlformats.org/markup-compatibility/2006" xmlns:a14="http://schemas.microsoft.com/office/drawing/2010/main">
-        <mc:Choice Requires="a14">
+      <mc:AlternateContent xmlns:mc="http://schemas.openxmlformats.org/markup-compatibility/2006">
+        <mc:Choice xmlns:a14="http://schemas.microsoft.com/office/drawing/2010/main" Requires="a14">
           <p:sp>
             <p:nvSpPr>
               <p:cNvPr id="3" name="Content Placeholder 2"/>
@@ -15717,25 +15718,40 @@
                   <a:t>Definition. </a:t>
                 </a:r>
                 <a:r>
-                  <a:rPr lang="en-US" sz="2000" dirty="0"/>
+                  <a:rPr lang="en-US" sz="2000" b="1" i="1" dirty="0"/>
                   <a:t>An </a:t>
+                </a:r>
+                <a:r>
+                  <a:rPr lang="en-US" sz="2000" b="1" i="1" dirty="0">
+                    <a:solidFill>
+                      <a:schemeClr val="tx1"/>
+                    </a:solidFill>
+                  </a:rPr>
+                  <a:t>initialized rectangular hybrid automaton </a:t>
                 </a:r>
                 <a:r>
                   <a:rPr lang="en-US" sz="2000" b="1" dirty="0">
                     <a:solidFill>
-                      <a:srgbClr val="00B0F0"/>
+                      <a:schemeClr val="tx1"/>
                     </a:solidFill>
                   </a:rPr>
-                  <a:t>initialized rectangular hybrid automaton (IRHA) </a:t>
-                </a:r>
-                <a:r>
-                  <a:rPr lang="en-US" sz="2000" dirty="0"/>
+                  <a:t>(IRHA) </a:t>
+                </a:r>
+                <a:r>
+                  <a:rPr lang="en-US" sz="2000" dirty="0">
+                    <a:solidFill>
+                      <a:schemeClr val="tx1"/>
+                    </a:solidFill>
+                  </a:rPr>
                   <a:t>is a RHA </a:t>
                 </a:r>
                 <a14:m>
                   <m:oMath xmlns:m="http://schemas.openxmlformats.org/officeDocument/2006/math">
                     <m:r>
                       <a:rPr lang="en-US" sz="2000" b="1" i="1" dirty="0">
+                        <a:solidFill>
+                          <a:schemeClr val="tx1"/>
+                        </a:solidFill>
                         <a:latin typeface="Cambria Math"/>
                         <a:ea typeface="Cambria Math"/>
                       </a:rPr>
@@ -15744,20 +15760,31 @@
                   </m:oMath>
                 </a14:m>
                 <a:r>
-                  <a:rPr lang="en-US" sz="2000" dirty="0"/>
+                  <a:rPr lang="en-US" sz="2000" dirty="0">
+                    <a:solidFill>
+                      <a:schemeClr val="tx1"/>
+                    </a:solidFill>
+                  </a:rPr>
                   <a:t>  where </a:t>
                 </a:r>
               </a:p>
               <a:p>
                 <a:pPr lvl="1"/>
                 <a:r>
-                  <a:rPr lang="en-US" sz="2000" dirty="0"/>
+                  <a:rPr lang="en-US" sz="2000" dirty="0">
+                    <a:solidFill>
+                      <a:schemeClr val="tx1"/>
+                    </a:solidFill>
+                  </a:rPr>
                   <a:t>V = X </a:t>
                 </a:r>
                 <a14:m>
                   <m:oMath xmlns:m="http://schemas.openxmlformats.org/officeDocument/2006/math">
                     <m:r>
                       <a:rPr lang="en-US" sz="2000" b="0" i="1" smtClean="0">
+                        <a:solidFill>
+                          <a:schemeClr val="tx1"/>
+                        </a:solidFill>
                         <a:latin typeface="Cambria Math" charset="0"/>
                       </a:rPr>
                       <m:t>∪</m:t>
@@ -15768,6 +15795,9 @@
                         <m:endChr m:val="}"/>
                         <m:ctrlPr>
                           <a:rPr lang="en-US" sz="2000" i="1">
+                            <a:solidFill>
+                              <a:schemeClr val="tx1"/>
+                            </a:solidFill>
                             <a:latin typeface="Cambria Math" panose="02040503050406030204" pitchFamily="18" charset="0"/>
                           </a:rPr>
                         </m:ctrlPr>
@@ -15775,6 +15805,9 @@
                       <m:e>
                         <m:r>
                           <a:rPr lang="en-US" sz="2000" i="1">
+                            <a:solidFill>
+                              <a:schemeClr val="tx1"/>
+                            </a:solidFill>
                             <a:latin typeface="Cambria Math"/>
                           </a:rPr>
                           <m:t>𝑙𝑜𝑐</m:t>
@@ -15784,20 +15817,12 @@
                   </m:oMath>
                 </a14:m>
                 <a:r>
-                  <a:rPr lang="en-US" sz="2000" dirty="0"/>
-                  <a:t>, where  X is a set of n </a:t>
-                </a:r>
-                <a:r>
-                  <a:rPr lang="en-US" sz="2000" b="1" dirty="0">
+                  <a:rPr lang="en-US" sz="2000" dirty="0">
                     <a:solidFill>
-                      <a:srgbClr val="00B0F0"/>
+                      <a:schemeClr val="tx1"/>
                     </a:solidFill>
                   </a:rPr>
-                  <a:t>continuous variables</a:t>
-                </a:r>
-                <a:r>
-                  <a:rPr lang="en-US" sz="2000" dirty="0"/>
-                  <a:t> and  </a:t>
+                  <a:t>, where  X is a set of n continuous variables and  </a:t>
                 </a:r>
                 <a14:m>
                   <m:oMath xmlns:m="http://schemas.openxmlformats.org/officeDocument/2006/math">
@@ -16984,7 +17009,7 @@
             </p:txBody>
           </p:sp>
         </mc:Choice>
-        <mc:Fallback xmlns="">
+        <mc:Fallback>
           <p:sp>
             <p:nvSpPr>
               <p:cNvPr id="3" name="Content Placeholder 2"/>
@@ -17109,8 +17134,8 @@
           </a:p>
         </p:txBody>
       </p:sp>
-      <mc:AlternateContent xmlns:mc="http://schemas.openxmlformats.org/markup-compatibility/2006" xmlns:a14="http://schemas.microsoft.com/office/drawing/2010/main">
-        <mc:Choice Requires="a14">
+      <mc:AlternateContent xmlns:mc="http://schemas.openxmlformats.org/markup-compatibility/2006">
+        <mc:Choice xmlns:a14="http://schemas.microsoft.com/office/drawing/2010/main" Requires="a14">
           <p:sp>
             <p:nvSpPr>
               <p:cNvPr id="4" name="Oval 3"/>
@@ -17141,18 +17166,18 @@
               </a:fontRef>
             </p:style>
             <p:txBody>
-              <a:bodyPr rtlCol="0" anchor="ctr"/>
+              <a:bodyPr lIns="0" rIns="0" rtlCol="0" anchor="ctr"/>
               <a:lstStyle/>
               <a:p>
                 <a:pPr algn="ctr"/>
                 <a:r>
-                  <a:rPr lang="en-US" sz="1400" dirty="0"/>
+                  <a:rPr lang="en-US" sz="1600" dirty="0"/>
                   <a:t>1</a:t>
                 </a:r>
               </a:p>
               <a:p>
                 <a:pPr algn="ctr"/>
-                <a:endParaRPr lang="en-US" sz="1400" dirty="0"/>
+                <a:endParaRPr lang="en-US" sz="1600" dirty="0"/>
               </a:p>
               <a:p>
                 <a:pPr algn="ctr"/>
@@ -17163,7 +17188,7 @@
                     </m:oMathParaPr>
                     <m:oMath xmlns:m="http://schemas.openxmlformats.org/officeDocument/2006/math">
                       <m:r>
-                        <a:rPr lang="en-US" sz="1400" i="1">
+                        <a:rPr lang="en-US" sz="1600" i="1">
                           <a:latin typeface="Cambria Math" charset="0"/>
                         </a:rPr>
                         <m:t>𝑑</m:t>
@@ -17171,7 +17196,7 @@
                       <m:d>
                         <m:dPr>
                           <m:ctrlPr>
-                            <a:rPr lang="en-US" sz="1400" i="1">
+                            <a:rPr lang="en-US" sz="1600" i="1">
                               <a:latin typeface="Cambria Math" panose="02040503050406030204" pitchFamily="18" charset="0"/>
                             </a:rPr>
                           </m:ctrlPr>
@@ -17180,14 +17205,14 @@
                           <m:sSub>
                             <m:sSubPr>
                               <m:ctrlPr>
-                                <a:rPr lang="en-US" sz="1400" i="1">
+                                <a:rPr lang="en-US" sz="1600" i="1">
                                   <a:latin typeface="Cambria Math" panose="02040503050406030204" pitchFamily="18" charset="0"/>
                                 </a:rPr>
                               </m:ctrlPr>
                             </m:sSubPr>
                             <m:e>
                               <m:r>
-                                <a:rPr lang="en-US" sz="1400" i="1">
+                                <a:rPr lang="en-US" sz="1600" i="1">
                                   <a:latin typeface="Cambria Math" charset="0"/>
                                 </a:rPr>
                                 <m:t>𝑥</m:t>
@@ -17195,7 +17220,7 @@
                             </m:e>
                             <m:sub>
                               <m:r>
-                                <a:rPr lang="en-US" sz="1400" i="1">
+                                <a:rPr lang="en-US" sz="1600" i="1">
                                   <a:latin typeface="Cambria Math" charset="0"/>
                                 </a:rPr>
                                 <m:t>1</m:t>
@@ -17205,7 +17230,7 @@
                         </m:e>
                       </m:d>
                       <m:r>
-                        <a:rPr lang="en-US" sz="1400" i="1">
+                        <a:rPr lang="en-US" sz="1600" i="1">
                           <a:latin typeface="Cambria Math" charset="0"/>
                         </a:rPr>
                         <m:t>=</m:t>
@@ -17213,7 +17238,7 @@
                       <m:sSub>
                         <m:sSubPr>
                           <m:ctrlPr>
-                            <a:rPr lang="en-US" sz="1400" i="1">
+                            <a:rPr lang="en-US" sz="1600" i="1">
                               <a:latin typeface="Cambria Math" panose="02040503050406030204" pitchFamily="18" charset="0"/>
                             </a:rPr>
                           </m:ctrlPr>
@@ -17223,7 +17248,7 @@
                             <m:rPr>
                               <m:sty m:val="p"/>
                             </m:rPr>
-                            <a:rPr lang="en-US" sz="1400">
+                            <a:rPr lang="en-US" sz="1600">
                               <a:latin typeface="Cambria Math" charset="0"/>
                             </a:rPr>
                             <m:t>k</m:t>
@@ -17231,7 +17256,7 @@
                         </m:e>
                         <m:sub>
                           <m:r>
-                            <a:rPr lang="en-US" sz="1400">
+                            <a:rPr lang="en-US" sz="1600">
                               <a:latin typeface="Cambria Math" charset="0"/>
                             </a:rPr>
                             <m:t>1</m:t>
@@ -17241,7 +17266,7 @@
                     </m:oMath>
                   </m:oMathPara>
                 </a14:m>
-                <a:endParaRPr lang="en-US" sz="1400" dirty="0"/>
+                <a:endParaRPr lang="en-US" sz="1600" dirty="0"/>
               </a:p>
               <a:p>
                 <a:pPr algn="ctr"/>
@@ -17252,7 +17277,7 @@
                     </m:oMathParaPr>
                     <m:oMath xmlns:m="http://schemas.openxmlformats.org/officeDocument/2006/math">
                       <m:r>
-                        <a:rPr lang="en-US" sz="1400" i="1">
+                        <a:rPr lang="en-US" sz="1600" i="1">
                           <a:latin typeface="Cambria Math" charset="0"/>
                         </a:rPr>
                         <m:t>𝑑</m:t>
@@ -17260,7 +17285,7 @@
                       <m:d>
                         <m:dPr>
                           <m:ctrlPr>
-                            <a:rPr lang="en-US" sz="1400" i="1">
+                            <a:rPr lang="en-US" sz="1600" i="1">
                               <a:latin typeface="Cambria Math" panose="02040503050406030204" pitchFamily="18" charset="0"/>
                             </a:rPr>
                           </m:ctrlPr>
@@ -17269,14 +17294,14 @@
                           <m:sSub>
                             <m:sSubPr>
                               <m:ctrlPr>
-                                <a:rPr lang="en-US" sz="1400" i="1">
+                                <a:rPr lang="en-US" sz="1600" i="1">
                                   <a:latin typeface="Cambria Math" panose="02040503050406030204" pitchFamily="18" charset="0"/>
                                 </a:rPr>
                               </m:ctrlPr>
                             </m:sSubPr>
                             <m:e>
                               <m:r>
-                                <a:rPr lang="en-US" sz="1400" i="1">
+                                <a:rPr lang="en-US" sz="1600" i="1">
                                   <a:latin typeface="Cambria Math" charset="0"/>
                                 </a:rPr>
                                 <m:t>𝑥</m:t>
@@ -17284,7 +17309,7 @@
                             </m:e>
                             <m:sub>
                               <m:r>
-                                <a:rPr lang="en-US" sz="1400" b="0" i="1" smtClean="0">
+                                <a:rPr lang="en-US" sz="1600" b="0" i="1" smtClean="0">
                                   <a:latin typeface="Cambria Math" charset="0"/>
                                 </a:rPr>
                                 <m:t>2</m:t>
@@ -17294,7 +17319,7 @@
                         </m:e>
                       </m:d>
                       <m:r>
-                        <a:rPr lang="en-US" sz="1400" i="1">
+                        <a:rPr lang="en-US" sz="1600" i="1">
                           <a:latin typeface="Cambria Math" charset="0"/>
                         </a:rPr>
                         <m:t>=</m:t>
@@ -17302,7 +17327,7 @@
                       <m:sSub>
                         <m:sSubPr>
                           <m:ctrlPr>
-                            <a:rPr lang="en-US" sz="1400" i="1">
+                            <a:rPr lang="en-US" sz="1600" i="1">
                               <a:latin typeface="Cambria Math" panose="02040503050406030204" pitchFamily="18" charset="0"/>
                             </a:rPr>
                           </m:ctrlPr>
@@ -17312,7 +17337,7 @@
                             <m:rPr>
                               <m:sty m:val="p"/>
                             </m:rPr>
-                            <a:rPr lang="en-US" sz="1400">
+                            <a:rPr lang="en-US" sz="1600">
                               <a:latin typeface="Cambria Math" charset="0"/>
                             </a:rPr>
                             <m:t>k</m:t>
@@ -17320,7 +17345,7 @@
                         </m:e>
                         <m:sub>
                           <m:r>
-                            <a:rPr lang="en-US" sz="1400" b="0" i="0" smtClean="0">
+                            <a:rPr lang="en-US" sz="1600" b="0" i="0" smtClean="0">
                               <a:latin typeface="Cambria Math" charset="0"/>
                             </a:rPr>
                             <m:t>2</m:t>
@@ -17330,12 +17355,12 @@
                     </m:oMath>
                   </m:oMathPara>
                 </a14:m>
-                <a:endParaRPr lang="en-US" sz="1400" dirty="0"/>
+                <a:endParaRPr lang="en-US" sz="1600" dirty="0"/>
               </a:p>
             </p:txBody>
           </p:sp>
         </mc:Choice>
-        <mc:Fallback xmlns="">
+        <mc:Fallback>
           <p:sp>
             <p:nvSpPr>
               <p:cNvPr id="4" name="Oval 3"/>
@@ -17352,7 +17377,7 @@
               <a:prstGeom prst="ellipse">
                 <a:avLst/>
               </a:prstGeom>
-              <a:blipFill rotWithShape="0">
+              <a:blipFill>
                 <a:blip r:embed="rId2"/>
                 <a:stretch>
                   <a:fillRect/>
@@ -17374,8 +17399,8 @@
           </p:sp>
         </mc:Fallback>
       </mc:AlternateContent>
-      <mc:AlternateContent xmlns:mc="http://schemas.openxmlformats.org/markup-compatibility/2006" xmlns:a14="http://schemas.microsoft.com/office/drawing/2010/main">
-        <mc:Choice Requires="a14">
+      <mc:AlternateContent xmlns:mc="http://schemas.openxmlformats.org/markup-compatibility/2006">
+        <mc:Choice xmlns:a14="http://schemas.microsoft.com/office/drawing/2010/main" Requires="a14">
           <p:sp>
             <p:nvSpPr>
               <p:cNvPr id="5" name="Oval 4"/>
@@ -17406,18 +17431,18 @@
               </a:fontRef>
             </p:style>
             <p:txBody>
-              <a:bodyPr rtlCol="0" anchor="ctr"/>
+              <a:bodyPr lIns="0" rIns="0" rtlCol="0" anchor="ctr"/>
               <a:lstStyle/>
               <a:p>
                 <a:pPr algn="ctr"/>
                 <a:r>
-                  <a:rPr lang="en-US" sz="1400" dirty="0"/>
+                  <a:rPr lang="en-US" sz="1600" dirty="0"/>
                   <a:t>2</a:t>
                 </a:r>
               </a:p>
               <a:p>
                 <a:pPr algn="ctr"/>
-                <a:endParaRPr lang="en-US" sz="1400" dirty="0"/>
+                <a:endParaRPr lang="en-US" sz="1600" dirty="0"/>
               </a:p>
               <a:p>
                 <a:pPr algn="ctr"/>
@@ -17428,7 +17453,7 @@
                     </m:oMathParaPr>
                     <m:oMath xmlns:m="http://schemas.openxmlformats.org/officeDocument/2006/math">
                       <m:r>
-                        <a:rPr lang="en-US" sz="1400" i="1">
+                        <a:rPr lang="en-US" sz="1600" i="1">
                           <a:latin typeface="Cambria Math" charset="0"/>
                         </a:rPr>
                         <m:t>𝑑</m:t>
@@ -17436,7 +17461,7 @@
                       <m:d>
                         <m:dPr>
                           <m:ctrlPr>
-                            <a:rPr lang="en-US" sz="1400" i="1">
+                            <a:rPr lang="en-US" sz="1600" i="1">
                               <a:latin typeface="Cambria Math" panose="02040503050406030204" pitchFamily="18" charset="0"/>
                             </a:rPr>
                           </m:ctrlPr>
@@ -17445,14 +17470,14 @@
                           <m:sSub>
                             <m:sSubPr>
                               <m:ctrlPr>
-                                <a:rPr lang="en-US" sz="1400" i="1">
+                                <a:rPr lang="en-US" sz="1600" i="1">
                                   <a:latin typeface="Cambria Math" panose="02040503050406030204" pitchFamily="18" charset="0"/>
                                 </a:rPr>
                               </m:ctrlPr>
                             </m:sSubPr>
                             <m:e>
                               <m:r>
-                                <a:rPr lang="en-US" sz="1400" i="1">
+                                <a:rPr lang="en-US" sz="1600" i="1">
                                   <a:latin typeface="Cambria Math" charset="0"/>
                                 </a:rPr>
                                 <m:t>𝑥</m:t>
@@ -17460,7 +17485,7 @@
                             </m:e>
                             <m:sub>
                               <m:r>
-                                <a:rPr lang="en-US" sz="1400" i="1">
+                                <a:rPr lang="en-US" sz="1600" i="1">
                                   <a:latin typeface="Cambria Math" charset="0"/>
                                 </a:rPr>
                                 <m:t>1</m:t>
@@ -17470,7 +17495,7 @@
                         </m:e>
                       </m:d>
                       <m:r>
-                        <a:rPr lang="en-US" sz="1400" i="1">
+                        <a:rPr lang="en-US" sz="1600" i="1">
                           <a:latin typeface="Cambria Math" charset="0"/>
                         </a:rPr>
                         <m:t>=</m:t>
@@ -17478,7 +17503,7 @@
                       <m:sSub>
                         <m:sSubPr>
                           <m:ctrlPr>
-                            <a:rPr lang="en-US" sz="1400" i="1">
+                            <a:rPr lang="en-US" sz="1600" i="1">
                               <a:latin typeface="Cambria Math" panose="02040503050406030204" pitchFamily="18" charset="0"/>
                             </a:rPr>
                           </m:ctrlPr>
@@ -17488,13 +17513,13 @@
                             <m:rPr>
                               <m:sty m:val="p"/>
                             </m:rPr>
-                            <a:rPr lang="en-US" sz="1400">
+                            <a:rPr lang="en-US" sz="1600">
                               <a:latin typeface="Cambria Math" charset="0"/>
                             </a:rPr>
                             <m:t>k</m:t>
                           </m:r>
                           <m:r>
-                            <a:rPr lang="en-US" sz="1400" b="0" i="0" smtClean="0">
+                            <a:rPr lang="en-US" sz="1600" b="0" i="0" smtClean="0">
                               <a:latin typeface="Cambria Math" charset="0"/>
                             </a:rPr>
                             <m:t>′</m:t>
@@ -17502,7 +17527,7 @@
                         </m:e>
                         <m:sub>
                           <m:r>
-                            <a:rPr lang="en-US" sz="1400">
+                            <a:rPr lang="en-US" sz="1600">
                               <a:latin typeface="Cambria Math" charset="0"/>
                             </a:rPr>
                             <m:t>1</m:t>
@@ -17512,7 +17537,7 @@
                     </m:oMath>
                   </m:oMathPara>
                 </a14:m>
-                <a:endParaRPr lang="en-US" sz="1400" dirty="0"/>
+                <a:endParaRPr lang="en-US" sz="1600" dirty="0"/>
               </a:p>
               <a:p>
                 <a:pPr algn="ctr"/>
@@ -17523,7 +17548,7 @@
                     </m:oMathParaPr>
                     <m:oMath xmlns:m="http://schemas.openxmlformats.org/officeDocument/2006/math">
                       <m:r>
-                        <a:rPr lang="en-US" sz="1400" i="1">
+                        <a:rPr lang="en-US" sz="1600" i="1">
                           <a:latin typeface="Cambria Math" charset="0"/>
                         </a:rPr>
                         <m:t>𝑑</m:t>
@@ -17531,7 +17556,7 @@
                       <m:d>
                         <m:dPr>
                           <m:ctrlPr>
-                            <a:rPr lang="en-US" sz="1400" i="1">
+                            <a:rPr lang="en-US" sz="1600" i="1">
                               <a:latin typeface="Cambria Math" panose="02040503050406030204" pitchFamily="18" charset="0"/>
                             </a:rPr>
                           </m:ctrlPr>
@@ -17540,14 +17565,14 @@
                           <m:sSub>
                             <m:sSubPr>
                               <m:ctrlPr>
-                                <a:rPr lang="en-US" sz="1400" i="1">
+                                <a:rPr lang="en-US" sz="1600" i="1">
                                   <a:latin typeface="Cambria Math" panose="02040503050406030204" pitchFamily="18" charset="0"/>
                                 </a:rPr>
                               </m:ctrlPr>
                             </m:sSubPr>
                             <m:e>
                               <m:r>
-                                <a:rPr lang="en-US" sz="1400" i="1">
+                                <a:rPr lang="en-US" sz="1600" i="1">
                                   <a:latin typeface="Cambria Math" charset="0"/>
                                 </a:rPr>
                                 <m:t>𝑥</m:t>
@@ -17555,7 +17580,7 @@
                             </m:e>
                             <m:sub>
                               <m:r>
-                                <a:rPr lang="en-US" sz="1400" b="0" i="1" smtClean="0">
+                                <a:rPr lang="en-US" sz="1600" b="0" i="1" smtClean="0">
                                   <a:latin typeface="Cambria Math" charset="0"/>
                                 </a:rPr>
                                 <m:t>2</m:t>
@@ -17565,7 +17590,7 @@
                         </m:e>
                       </m:d>
                       <m:r>
-                        <a:rPr lang="en-US" sz="1400" i="1">
+                        <a:rPr lang="en-US" sz="1600" i="1">
                           <a:latin typeface="Cambria Math" charset="0"/>
                         </a:rPr>
                         <m:t>=</m:t>
@@ -17573,7 +17598,7 @@
                       <m:sSub>
                         <m:sSubPr>
                           <m:ctrlPr>
-                            <a:rPr lang="en-US" sz="1400" i="1">
+                            <a:rPr lang="en-US" sz="1600" i="1">
                               <a:latin typeface="Cambria Math" panose="02040503050406030204" pitchFamily="18" charset="0"/>
                             </a:rPr>
                           </m:ctrlPr>
@@ -17583,7 +17608,7 @@
                             <m:rPr>
                               <m:sty m:val="p"/>
                             </m:rPr>
-                            <a:rPr lang="en-US" sz="1400">
+                            <a:rPr lang="en-US" sz="1600">
                               <a:latin typeface="Cambria Math" charset="0"/>
                             </a:rPr>
                             <m:t>k</m:t>
@@ -17591,7 +17616,7 @@
                         </m:e>
                         <m:sub>
                           <m:r>
-                            <a:rPr lang="en-US" sz="1400" b="0" i="0" smtClean="0">
+                            <a:rPr lang="en-US" sz="1600" b="0" i="0" smtClean="0">
                               <a:latin typeface="Cambria Math" charset="0"/>
                             </a:rPr>
                             <m:t>2</m:t>
@@ -17601,12 +17626,12 @@
                     </m:oMath>
                   </m:oMathPara>
                 </a14:m>
-                <a:endParaRPr lang="en-US" sz="1400" dirty="0"/>
+                <a:endParaRPr lang="en-US" sz="1600" dirty="0"/>
               </a:p>
             </p:txBody>
           </p:sp>
         </mc:Choice>
-        <mc:Fallback xmlns="">
+        <mc:Fallback>
           <p:sp>
             <p:nvSpPr>
               <p:cNvPr id="5" name="Oval 4"/>
@@ -17623,7 +17648,7 @@
               <a:prstGeom prst="ellipse">
                 <a:avLst/>
               </a:prstGeom>
-              <a:blipFill rotWithShape="0">
+              <a:blipFill>
                 <a:blip r:embed="rId3"/>
                 <a:stretch>
                   <a:fillRect/>
@@ -17645,8 +17670,8 @@
           </p:sp>
         </mc:Fallback>
       </mc:AlternateContent>
-      <mc:AlternateContent xmlns:mc="http://schemas.openxmlformats.org/markup-compatibility/2006" xmlns:a14="http://schemas.microsoft.com/office/drawing/2010/main">
-        <mc:Choice Requires="a14">
+      <mc:AlternateContent xmlns:mc="http://schemas.openxmlformats.org/markup-compatibility/2006">
+        <mc:Choice xmlns:a14="http://schemas.microsoft.com/office/drawing/2010/main" Requires="a14">
           <p:sp>
             <p:nvSpPr>
               <p:cNvPr id="6" name="Oval 5"/>
@@ -17677,18 +17702,18 @@
               </a:fontRef>
             </p:style>
             <p:txBody>
-              <a:bodyPr rtlCol="0" anchor="ctr"/>
+              <a:bodyPr lIns="0" rIns="0" rtlCol="0" anchor="ctr"/>
               <a:lstStyle/>
               <a:p>
                 <a:pPr algn="ctr"/>
                 <a:r>
-                  <a:rPr lang="en-US" sz="1400" dirty="0"/>
+                  <a:rPr lang="en-US" sz="1600" dirty="0"/>
                   <a:t>3</a:t>
                 </a:r>
               </a:p>
               <a:p>
                 <a:pPr algn="ctr"/>
-                <a:endParaRPr lang="en-US" sz="1400" dirty="0"/>
+                <a:endParaRPr lang="en-US" sz="1600" dirty="0"/>
               </a:p>
               <a:p>
                 <a:pPr algn="ctr"/>
@@ -17699,7 +17724,7 @@
                     </m:oMathParaPr>
                     <m:oMath xmlns:m="http://schemas.openxmlformats.org/officeDocument/2006/math">
                       <m:r>
-                        <a:rPr lang="en-US" sz="1400" i="1">
+                        <a:rPr lang="en-US" sz="1600" i="1">
                           <a:latin typeface="Cambria Math" charset="0"/>
                         </a:rPr>
                         <m:t>𝑑</m:t>
@@ -17707,7 +17732,7 @@
                       <m:d>
                         <m:dPr>
                           <m:ctrlPr>
-                            <a:rPr lang="en-US" sz="1400" i="1">
+                            <a:rPr lang="en-US" sz="1600" i="1">
                               <a:latin typeface="Cambria Math" panose="02040503050406030204" pitchFamily="18" charset="0"/>
                             </a:rPr>
                           </m:ctrlPr>
@@ -17716,14 +17741,14 @@
                           <m:sSub>
                             <m:sSubPr>
                               <m:ctrlPr>
-                                <a:rPr lang="en-US" sz="1400" i="1">
+                                <a:rPr lang="en-US" sz="1600" i="1">
                                   <a:latin typeface="Cambria Math" panose="02040503050406030204" pitchFamily="18" charset="0"/>
                                 </a:rPr>
                               </m:ctrlPr>
                             </m:sSubPr>
                             <m:e>
                               <m:r>
-                                <a:rPr lang="en-US" sz="1400" i="1">
+                                <a:rPr lang="en-US" sz="1600" i="1">
                                   <a:latin typeface="Cambria Math" charset="0"/>
                                 </a:rPr>
                                 <m:t>𝑥</m:t>
@@ -17731,7 +17756,7 @@
                             </m:e>
                             <m:sub>
                               <m:r>
-                                <a:rPr lang="en-US" sz="1400" i="1">
+                                <a:rPr lang="en-US" sz="1600" i="1">
                                   <a:latin typeface="Cambria Math" charset="0"/>
                                 </a:rPr>
                                 <m:t>1</m:t>
@@ -17741,31 +17766,31 @@
                         </m:e>
                       </m:d>
                       <m:r>
-                        <a:rPr lang="en-US" sz="1400" b="0" i="1" smtClean="0">
+                        <a:rPr lang="en-US" sz="1600" b="0" i="1" smtClean="0">
                           <a:latin typeface="Cambria Math" charset="0"/>
                         </a:rPr>
                         <m:t>∈[</m:t>
                       </m:r>
                       <m:r>
-                        <a:rPr lang="en-US" sz="1400" b="0" i="1" smtClean="0">
+                        <a:rPr lang="en-US" sz="1600" b="0" i="1" smtClean="0">
                           <a:latin typeface="Cambria Math" charset="0"/>
                         </a:rPr>
                         <m:t>𝑎</m:t>
                       </m:r>
                       <m:r>
-                        <a:rPr lang="en-US" sz="1400" b="0" i="1" smtClean="0">
+                        <a:rPr lang="en-US" sz="1600" b="0" i="1" smtClean="0">
                           <a:latin typeface="Cambria Math" charset="0"/>
                         </a:rPr>
                         <m:t>,</m:t>
                       </m:r>
                       <m:r>
-                        <a:rPr lang="en-US" sz="1400" b="0" i="1" smtClean="0">
+                        <a:rPr lang="en-US" sz="1600" b="0" i="1" smtClean="0">
                           <a:latin typeface="Cambria Math" charset="0"/>
                         </a:rPr>
                         <m:t>𝑏</m:t>
                       </m:r>
                       <m:r>
-                        <a:rPr lang="en-US" sz="1400" b="0" i="1" smtClean="0">
+                        <a:rPr lang="en-US" sz="1600" b="0" i="1" smtClean="0">
                           <a:latin typeface="Cambria Math" charset="0"/>
                         </a:rPr>
                         <m:t>]</m:t>
@@ -17773,7 +17798,7 @@
                     </m:oMath>
                   </m:oMathPara>
                 </a14:m>
-                <a:endParaRPr lang="en-US" sz="1400" dirty="0"/>
+                <a:endParaRPr lang="en-US" sz="1600" dirty="0"/>
               </a:p>
               <a:p>
                 <a:pPr algn="ctr"/>
@@ -17784,7 +17809,7 @@
                     </m:oMathParaPr>
                     <m:oMath xmlns:m="http://schemas.openxmlformats.org/officeDocument/2006/math">
                       <m:r>
-                        <a:rPr lang="en-US" sz="1400" i="1">
+                        <a:rPr lang="en-US" sz="1600" i="1">
                           <a:latin typeface="Cambria Math" charset="0"/>
                         </a:rPr>
                         <m:t>𝑑</m:t>
@@ -17792,7 +17817,7 @@
                       <m:d>
                         <m:dPr>
                           <m:ctrlPr>
-                            <a:rPr lang="en-US" sz="1400" i="1">
+                            <a:rPr lang="en-US" sz="1600" i="1">
                               <a:latin typeface="Cambria Math" panose="02040503050406030204" pitchFamily="18" charset="0"/>
                             </a:rPr>
                           </m:ctrlPr>
@@ -17801,14 +17826,14 @@
                           <m:sSub>
                             <m:sSubPr>
                               <m:ctrlPr>
-                                <a:rPr lang="en-US" sz="1400" i="1">
+                                <a:rPr lang="en-US" sz="1600" i="1">
                                   <a:latin typeface="Cambria Math" panose="02040503050406030204" pitchFamily="18" charset="0"/>
                                 </a:rPr>
                               </m:ctrlPr>
                             </m:sSubPr>
                             <m:e>
                               <m:r>
-                                <a:rPr lang="en-US" sz="1400" i="1">
+                                <a:rPr lang="en-US" sz="1600" i="1">
                                   <a:latin typeface="Cambria Math" charset="0"/>
                                 </a:rPr>
                                 <m:t>𝑥</m:t>
@@ -17816,7 +17841,7 @@
                             </m:e>
                             <m:sub>
                               <m:r>
-                                <a:rPr lang="en-US" sz="1400" b="0" i="1" smtClean="0">
+                                <a:rPr lang="en-US" sz="1600" b="0" i="1" smtClean="0">
                                   <a:latin typeface="Cambria Math" charset="0"/>
                                 </a:rPr>
                                 <m:t>2</m:t>
@@ -17826,7 +17851,7 @@
                         </m:e>
                       </m:d>
                       <m:r>
-                        <a:rPr lang="en-US" sz="1400" i="1">
+                        <a:rPr lang="en-US" sz="1600" i="1">
                           <a:latin typeface="Cambria Math" charset="0"/>
                         </a:rPr>
                         <m:t>=</m:t>
@@ -17834,7 +17859,7 @@
                       <m:sSub>
                         <m:sSubPr>
                           <m:ctrlPr>
-                            <a:rPr lang="en-US" sz="1400" i="1">
+                            <a:rPr lang="en-US" sz="1600" i="1">
                               <a:latin typeface="Cambria Math" panose="02040503050406030204" pitchFamily="18" charset="0"/>
                             </a:rPr>
                           </m:ctrlPr>
@@ -17844,7 +17869,7 @@
                             <m:rPr>
                               <m:sty m:val="p"/>
                             </m:rPr>
-                            <a:rPr lang="en-US" sz="1400">
+                            <a:rPr lang="en-US" sz="1600">
                               <a:latin typeface="Cambria Math" charset="0"/>
                             </a:rPr>
                             <m:t>k</m:t>
@@ -17852,7 +17877,7 @@
                         </m:e>
                         <m:sub>
                           <m:r>
-                            <a:rPr lang="en-US" sz="1400" b="0" i="0" smtClean="0">
+                            <a:rPr lang="en-US" sz="1600" b="0" i="0" smtClean="0">
                               <a:latin typeface="Cambria Math" charset="0"/>
                             </a:rPr>
                             <m:t>3</m:t>
@@ -17862,12 +17887,12 @@
                     </m:oMath>
                   </m:oMathPara>
                 </a14:m>
-                <a:endParaRPr lang="en-US" sz="1400" dirty="0"/>
+                <a:endParaRPr lang="en-US" sz="1600" dirty="0"/>
               </a:p>
             </p:txBody>
           </p:sp>
         </mc:Choice>
-        <mc:Fallback xmlns="">
+        <mc:Fallback>
           <p:sp>
             <p:nvSpPr>
               <p:cNvPr id="6" name="Oval 5"/>
@@ -17884,7 +17909,7 @@
               <a:prstGeom prst="ellipse">
                 <a:avLst/>
               </a:prstGeom>
-              <a:blipFill rotWithShape="0">
+              <a:blipFill>
                 <a:blip r:embed="rId4"/>
                 <a:stretch>
                   <a:fillRect/>
@@ -17925,7 +17950,10 @@
               <a:gd name="adj1" fmla="val 3444315"/>
             </a:avLst>
           </a:prstGeom>
-          <a:ln>
+          <a:ln w="19050">
+            <a:solidFill>
+              <a:schemeClr val="tx1"/>
+            </a:solidFill>
             <a:tailEnd type="triangle"/>
           </a:ln>
         </p:spPr>
@@ -17944,8 +17972,8 @@
           </a:fontRef>
         </p:style>
       </p:cxnSp>
-      <mc:AlternateContent xmlns:mc="http://schemas.openxmlformats.org/markup-compatibility/2006" xmlns:a14="http://schemas.microsoft.com/office/drawing/2010/main">
-        <mc:Choice Requires="a14">
+      <mc:AlternateContent xmlns:mc="http://schemas.openxmlformats.org/markup-compatibility/2006">
+        <mc:Choice xmlns:a14="http://schemas.microsoft.com/office/drawing/2010/main" Requires="a14">
           <p:sp>
             <p:nvSpPr>
               <p:cNvPr id="9" name="Rectangle 8"/>
@@ -17955,7 +17983,7 @@
             <p:spPr>
               <a:xfrm>
                 <a:off x="3670491" y="1428525"/>
-                <a:ext cx="2743514" cy="307777"/>
+                <a:ext cx="2743514" cy="584775"/>
               </a:xfrm>
               <a:prstGeom prst="rect">
                 <a:avLst/>
@@ -17968,7 +17996,7 @@
               <a:lstStyle/>
               <a:p>
                 <a:r>
-                  <a:rPr lang="en-US" sz="1400" b="0" dirty="0"/>
+                  <a:rPr lang="en-US" sz="1600" b="0" dirty="0"/>
                   <a:t>Pre </a:t>
                 </a:r>
                 <a14:m>
@@ -17976,14 +18004,14 @@
                     <m:sSub>
                       <m:sSubPr>
                         <m:ctrlPr>
-                          <a:rPr lang="en-US" sz="1400" b="0" i="1" smtClean="0">
+                          <a:rPr lang="en-US" sz="1600" b="0" i="1" smtClean="0">
                             <a:latin typeface="Cambria Math" panose="02040503050406030204" pitchFamily="18" charset="0"/>
                           </a:rPr>
                         </m:ctrlPr>
                       </m:sSubPr>
                       <m:e>
                         <m:r>
-                          <a:rPr lang="en-US" sz="1400" b="0" i="1" smtClean="0">
+                          <a:rPr lang="en-US" sz="1600" b="0" i="1" smtClean="0">
                             <a:latin typeface="Cambria Math" charset="0"/>
                           </a:rPr>
                           <m:t>𝑥</m:t>
@@ -17991,7 +18019,7 @@
                       </m:e>
                       <m:sub>
                         <m:r>
-                          <a:rPr lang="en-US" sz="1400" b="0" i="1" smtClean="0">
+                          <a:rPr lang="en-US" sz="1600" b="0" i="1" smtClean="0">
                             <a:latin typeface="Cambria Math" charset="0"/>
                           </a:rPr>
                           <m:t>1</m:t>
@@ -17999,19 +18027,19 @@
                       </m:sub>
                     </m:sSub>
                     <m:r>
-                      <a:rPr lang="en-US" sz="1400" b="0" i="1" smtClean="0">
+                      <a:rPr lang="en-US" sz="1600" b="0" i="1" smtClean="0">
                         <a:latin typeface="Cambria Math" charset="0"/>
                       </a:rPr>
                       <m:t>≥</m:t>
                     </m:r>
                     <m:r>
-                      <a:rPr lang="en-US" sz="1400" b="0" i="1" smtClean="0">
+                      <a:rPr lang="en-US" sz="1600" b="0" i="1" smtClean="0">
                         <a:latin typeface="Cambria Math" charset="0"/>
                       </a:rPr>
                       <m:t>𝐺</m:t>
                     </m:r>
                     <m:r>
-                      <a:rPr lang="en-US" sz="1400" b="0" i="1" smtClean="0">
+                      <a:rPr lang="en-US" sz="1600" b="0" i="1" smtClean="0">
                         <a:latin typeface="Cambria Math" charset="0"/>
                       </a:rPr>
                       <m:t>∧</m:t>
@@ -18019,14 +18047,14 @@
                     <m:sSub>
                       <m:sSubPr>
                         <m:ctrlPr>
-                          <a:rPr lang="en-US" sz="1400" b="0" i="1" smtClean="0">
+                          <a:rPr lang="en-US" sz="1600" b="0" i="1" smtClean="0">
                             <a:latin typeface="Cambria Math" panose="02040503050406030204" pitchFamily="18" charset="0"/>
                           </a:rPr>
                         </m:ctrlPr>
                       </m:sSubPr>
                       <m:e>
                         <m:r>
-                          <a:rPr lang="en-US" sz="1400" b="0" i="1" smtClean="0">
+                          <a:rPr lang="en-US" sz="1600" b="0" i="1" smtClean="0">
                             <a:latin typeface="Cambria Math" charset="0"/>
                           </a:rPr>
                           <m:t>𝑥</m:t>
@@ -18034,7 +18062,7 @@
                       </m:e>
                       <m:sub>
                         <m:r>
-                          <a:rPr lang="en-US" sz="1400" b="0" i="1" smtClean="0">
+                          <a:rPr lang="en-US" sz="1600" b="0" i="1" smtClean="0">
                             <a:latin typeface="Cambria Math" charset="0"/>
                           </a:rPr>
                           <m:t>2</m:t>
@@ -18042,19 +18070,19 @@
                       </m:sub>
                     </m:sSub>
                     <m:r>
-                      <a:rPr lang="en-US" sz="1400" b="0" i="1" smtClean="0">
+                      <a:rPr lang="en-US" sz="1600" b="0" i="1" smtClean="0">
                         <a:latin typeface="Cambria Math" charset="0"/>
                       </a:rPr>
                       <m:t>≤</m:t>
                     </m:r>
                     <m:r>
-                      <a:rPr lang="en-US" sz="1400" b="0" i="1" smtClean="0">
+                      <a:rPr lang="en-US" sz="1600" b="0" i="1" smtClean="0">
                         <a:latin typeface="Cambria Math" charset="0"/>
                       </a:rPr>
                       <m:t>𝐺</m:t>
                     </m:r>
                     <m:r>
-                      <a:rPr lang="en-US" sz="1400" b="0" i="1" smtClean="0">
+                      <a:rPr lang="en-US" sz="1600" b="0" i="1" smtClean="0">
                         <a:latin typeface="Cambria Math" charset="0"/>
                       </a:rPr>
                       <m:t> </m:t>
@@ -18062,7 +18090,7 @@
                   </m:oMath>
                 </a14:m>
                 <a:r>
-                  <a:rPr lang="en-US" sz="1400" dirty="0"/>
+                  <a:rPr lang="en-US" sz="1600" dirty="0"/>
                   <a:t> Eff </a:t>
                 </a:r>
                 <a14:m>
@@ -18070,14 +18098,14 @@
                     <m:sSub>
                       <m:sSubPr>
                         <m:ctrlPr>
-                          <a:rPr lang="en-US" sz="1400" b="0" i="1" smtClean="0">
+                          <a:rPr lang="en-US" sz="1600" b="0" i="1" smtClean="0">
                             <a:latin typeface="Cambria Math" panose="02040503050406030204" pitchFamily="18" charset="0"/>
                           </a:rPr>
                         </m:ctrlPr>
                       </m:sSubPr>
                       <m:e>
                         <m:r>
-                          <a:rPr lang="en-US" sz="1400" b="0" i="1" smtClean="0">
+                          <a:rPr lang="en-US" sz="1600" b="0" i="1" smtClean="0">
                             <a:latin typeface="Cambria Math" charset="0"/>
                           </a:rPr>
                           <m:t>𝑥</m:t>
@@ -18085,7 +18113,7 @@
                       </m:e>
                       <m:sub>
                         <m:r>
-                          <a:rPr lang="en-US" sz="1400" b="0" i="1" smtClean="0">
+                          <a:rPr lang="en-US" sz="1600" b="0" i="1" smtClean="0">
                             <a:latin typeface="Cambria Math" charset="0"/>
                           </a:rPr>
                           <m:t>1</m:t>
@@ -18093,19 +18121,19 @@
                       </m:sub>
                     </m:sSub>
                     <m:r>
-                      <a:rPr lang="en-US" sz="1400" b="0" i="1" smtClean="0">
+                      <a:rPr lang="en-US" sz="1600" b="0" i="1" smtClean="0">
                         <a:latin typeface="Cambria Math" charset="0"/>
                       </a:rPr>
                       <m:t>≔0</m:t>
                     </m:r>
                   </m:oMath>
                 </a14:m>
-                <a:endParaRPr lang="en-US" sz="1400" dirty="0"/>
+                <a:endParaRPr lang="en-US" sz="1600" dirty="0"/>
               </a:p>
             </p:txBody>
           </p:sp>
         </mc:Choice>
-        <mc:Fallback xmlns="">
+        <mc:Fallback>
           <p:sp>
             <p:nvSpPr>
               <p:cNvPr id="9" name="Rectangle 8"/>
@@ -18117,15 +18145,15 @@
             <p:spPr>
               <a:xfrm>
                 <a:off x="3670491" y="1428525"/>
-                <a:ext cx="2743514" cy="307777"/>
+                <a:ext cx="2743514" cy="584775"/>
               </a:xfrm>
               <a:prstGeom prst="rect">
                 <a:avLst/>
               </a:prstGeom>
-              <a:blipFill rotWithShape="0">
+              <a:blipFill>
                 <a:blip r:embed="rId5"/>
                 <a:stretch>
-                  <a:fillRect l="-667" t="-84314" b="-105882"/>
+                  <a:fillRect l="-922" t="-2083"/>
                 </a:stretch>
               </a:blipFill>
             </p:spPr>
@@ -18161,7 +18189,10 @@
           <a:prstGeom prst="curvedConnector2">
             <a:avLst/>
           </a:prstGeom>
-          <a:ln>
+          <a:ln w="19050">
+            <a:solidFill>
+              <a:schemeClr val="tx1"/>
+            </a:solidFill>
             <a:tailEnd type="triangle"/>
           </a:ln>
         </p:spPr>
@@ -18197,7 +18228,10 @@
           <a:prstGeom prst="curvedConnector2">
             <a:avLst/>
           </a:prstGeom>
-          <a:ln>
+          <a:ln w="19050">
+            <a:solidFill>
+              <a:schemeClr val="tx1"/>
+            </a:solidFill>
             <a:tailEnd type="triangle"/>
           </a:ln>
         </p:spPr>
@@ -18216,8 +18250,8 @@
           </a:fontRef>
         </p:style>
       </p:cxnSp>
-      <mc:AlternateContent xmlns:mc="http://schemas.openxmlformats.org/markup-compatibility/2006" xmlns:a14="http://schemas.microsoft.com/office/drawing/2010/main">
-        <mc:Choice Requires="a14">
+      <mc:AlternateContent xmlns:mc="http://schemas.openxmlformats.org/markup-compatibility/2006">
+        <mc:Choice xmlns:a14="http://schemas.microsoft.com/office/drawing/2010/main" Requires="a14">
           <p:sp>
             <p:nvSpPr>
               <p:cNvPr id="16" name="Rectangle 15"/>
@@ -18227,7 +18261,7 @@
             <p:spPr>
               <a:xfrm>
                 <a:off x="1375231" y="4317733"/>
-                <a:ext cx="1136669" cy="954107"/>
+                <a:ext cx="1136669" cy="1077218"/>
               </a:xfrm>
               <a:prstGeom prst="rect">
                 <a:avLst/>
@@ -18240,7 +18274,7 @@
               <a:lstStyle/>
               <a:p>
                 <a:r>
-                  <a:rPr lang="en-US" sz="1400" dirty="0"/>
+                  <a:rPr lang="en-US" sz="1600" dirty="0"/>
                   <a:t>Both Pre </a:t>
                 </a:r>
                 <a14:m>
@@ -18248,14 +18282,14 @@
                     <m:sSub>
                       <m:sSubPr>
                         <m:ctrlPr>
-                          <a:rPr lang="en-US" sz="1400" i="1">
+                          <a:rPr lang="en-US" sz="1600" i="1">
                             <a:latin typeface="Cambria Math" panose="02040503050406030204" pitchFamily="18" charset="0"/>
                           </a:rPr>
                         </m:ctrlPr>
                       </m:sSubPr>
                       <m:e>
                         <m:r>
-                          <a:rPr lang="en-US" sz="1400" i="1">
+                          <a:rPr lang="en-US" sz="1600" i="1">
                             <a:latin typeface="Cambria Math" charset="0"/>
                           </a:rPr>
                           <m:t>𝑥</m:t>
@@ -18263,7 +18297,7 @@
                       </m:e>
                       <m:sub>
                         <m:r>
-                          <a:rPr lang="en-US" sz="1400" i="1">
+                          <a:rPr lang="en-US" sz="1600" i="1">
                             <a:latin typeface="Cambria Math" charset="0"/>
                           </a:rPr>
                           <m:t>1</m:t>
@@ -18271,7 +18305,7 @@
                       </m:sub>
                     </m:sSub>
                     <m:r>
-                      <a:rPr lang="en-US" sz="1400" b="0" i="1" smtClean="0">
+                      <a:rPr lang="en-US" sz="1600" b="0" i="1" smtClean="0">
                         <a:latin typeface="Cambria Math" charset="0"/>
                       </a:rPr>
                       <m:t>, </m:t>
@@ -18279,14 +18313,14 @@
                     <m:sSub>
                       <m:sSubPr>
                         <m:ctrlPr>
-                          <a:rPr lang="en-US" sz="1400" b="0" i="1" smtClean="0">
+                          <a:rPr lang="en-US" sz="1600" b="0" i="1" smtClean="0">
                             <a:latin typeface="Cambria Math" panose="02040503050406030204" pitchFamily="18" charset="0"/>
                           </a:rPr>
                         </m:ctrlPr>
                       </m:sSubPr>
                       <m:e>
                         <m:r>
-                          <a:rPr lang="en-US" sz="1400" b="0" i="1" smtClean="0">
+                          <a:rPr lang="en-US" sz="1600" b="0" i="1" smtClean="0">
                             <a:latin typeface="Cambria Math" charset="0"/>
                           </a:rPr>
                           <m:t>𝑥</m:t>
@@ -18294,7 +18328,7 @@
                       </m:e>
                       <m:sub>
                         <m:r>
-                          <a:rPr lang="en-US" sz="1400" b="0" i="1" smtClean="0">
+                          <a:rPr lang="en-US" sz="1600" b="0" i="1" smtClean="0">
                             <a:latin typeface="Cambria Math" charset="0"/>
                           </a:rPr>
                           <m:t>2</m:t>
@@ -18304,17 +18338,17 @@
                   </m:oMath>
                 </a14:m>
                 <a:r>
-                  <a:rPr lang="en-US" sz="1400" dirty="0"/>
+                  <a:rPr lang="en-US" sz="1600" dirty="0"/>
                   <a:t> have to be reset</a:t>
                 </a:r>
               </a:p>
               <a:p>
-                <a:endParaRPr lang="en-US" sz="1400" dirty="0"/>
+                <a:endParaRPr lang="en-US" sz="1600" dirty="0"/>
               </a:p>
             </p:txBody>
           </p:sp>
         </mc:Choice>
-        <mc:Fallback xmlns="">
+        <mc:Fallback>
           <p:sp>
             <p:nvSpPr>
               <p:cNvPr id="16" name="Rectangle 15"/>
@@ -18326,15 +18360,15 @@
             <p:spPr>
               <a:xfrm>
                 <a:off x="1375231" y="4317733"/>
-                <a:ext cx="1136669" cy="954107"/>
+                <a:ext cx="1136669" cy="1077218"/>
               </a:xfrm>
               <a:prstGeom prst="rect">
                 <a:avLst/>
               </a:prstGeom>
-              <a:blipFill rotWithShape="0">
+              <a:blipFill>
                 <a:blip r:embed="rId6"/>
                 <a:stretch>
-                  <a:fillRect l="-1613" t="-637"/>
+                  <a:fillRect l="-3333" t="-1163" r="-2222"/>
                 </a:stretch>
               </a:blipFill>
             </p:spPr>
@@ -18357,22 +18391,24 @@
         <p:nvCxnSpPr>
           <p:cNvPr id="17" name="Curved Connector 16"/>
           <p:cNvCxnSpPr>
+            <a:cxnSpLocks/>
             <a:stCxn id="6" idx="7"/>
-            <a:endCxn id="5" idx="3"/>
+            <a:endCxn id="5" idx="2"/>
           </p:cNvCxnSpPr>
           <p:nvPr/>
         </p:nvCxnSpPr>
         <p:spPr>
           <a:xfrm rot="5400000" flipH="1" flipV="1">
-            <a:off x="5179125" y="3576757"/>
-            <a:ext cx="1430090" cy="707129"/>
+            <a:off x="4809015" y="3442713"/>
+            <a:ext cx="1934245" cy="471063"/>
           </a:xfrm>
-          <a:prstGeom prst="curvedConnector3">
-            <a:avLst>
-              <a:gd name="adj1" fmla="val 94657"/>
-            </a:avLst>
+          <a:prstGeom prst="curvedConnector2">
+            <a:avLst/>
           </a:prstGeom>
-          <a:ln>
+          <a:ln w="19050">
+            <a:solidFill>
+              <a:schemeClr val="tx1"/>
+            </a:solidFill>
             <a:tailEnd type="triangle"/>
           </a:ln>
         </p:spPr>
@@ -18391,8 +18427,8 @@
           </a:fontRef>
         </p:style>
       </p:cxnSp>
-      <mc:AlternateContent xmlns:mc="http://schemas.openxmlformats.org/markup-compatibility/2006" xmlns:a14="http://schemas.microsoft.com/office/drawing/2010/main">
-        <mc:Choice Requires="a14">
+      <mc:AlternateContent xmlns:mc="http://schemas.openxmlformats.org/markup-compatibility/2006">
+        <mc:Choice xmlns:a14="http://schemas.microsoft.com/office/drawing/2010/main" Requires="a14">
           <p:sp>
             <p:nvSpPr>
               <p:cNvPr id="21" name="Rectangle 20"/>
@@ -18402,7 +18438,7 @@
             <p:spPr>
               <a:xfrm>
                 <a:off x="6634130" y="5240326"/>
-                <a:ext cx="2056300" cy="307777"/>
+                <a:ext cx="2056300" cy="338554"/>
               </a:xfrm>
               <a:prstGeom prst="rect">
                 <a:avLst/>
@@ -18415,7 +18451,7 @@
               <a:lstStyle/>
               <a:p>
                 <a:r>
-                  <a:rPr lang="en-US" sz="1400" dirty="0"/>
+                  <a:rPr lang="en-US" sz="1600" dirty="0"/>
                   <a:t>Eff </a:t>
                 </a:r>
                 <a14:m>
@@ -18423,14 +18459,14 @@
                     <m:sSub>
                       <m:sSubPr>
                         <m:ctrlPr>
-                          <a:rPr lang="en-US" sz="1400" i="1">
+                          <a:rPr lang="en-US" sz="1600" i="1">
                             <a:latin typeface="Cambria Math" panose="02040503050406030204" pitchFamily="18" charset="0"/>
                           </a:rPr>
                         </m:ctrlPr>
                       </m:sSubPr>
                       <m:e>
                         <m:r>
-                          <a:rPr lang="en-US" sz="1400" i="1">
+                          <a:rPr lang="en-US" sz="1600" i="1">
                             <a:latin typeface="Cambria Math" charset="0"/>
                           </a:rPr>
                           <m:t>𝑥</m:t>
@@ -18438,7 +18474,7 @@
                       </m:e>
                       <m:sub>
                         <m:r>
-                          <a:rPr lang="en-US" sz="1400" i="1">
+                          <a:rPr lang="en-US" sz="1600" i="1">
                             <a:latin typeface="Cambria Math" charset="0"/>
                           </a:rPr>
                           <m:t>1</m:t>
@@ -18446,7 +18482,7 @@
                       </m:sub>
                     </m:sSub>
                     <m:r>
-                      <a:rPr lang="en-US" sz="1400" b="0" i="1" smtClean="0">
+                      <a:rPr lang="en-US" sz="1600" b="0" i="1" smtClean="0">
                         <a:latin typeface="Cambria Math" charset="0"/>
                       </a:rPr>
                       <m:t>, </m:t>
@@ -18454,14 +18490,14 @@
                     <m:sSub>
                       <m:sSubPr>
                         <m:ctrlPr>
-                          <a:rPr lang="en-US" sz="1400" b="0" i="1" smtClean="0">
+                          <a:rPr lang="en-US" sz="1600" b="0" i="1" smtClean="0">
                             <a:latin typeface="Cambria Math" panose="02040503050406030204" pitchFamily="18" charset="0"/>
                           </a:rPr>
                         </m:ctrlPr>
                       </m:sSubPr>
                       <m:e>
                         <m:r>
-                          <a:rPr lang="en-US" sz="1400" b="0" i="1" smtClean="0">
+                          <a:rPr lang="en-US" sz="1600" b="0" i="1" smtClean="0">
                             <a:latin typeface="Cambria Math" charset="0"/>
                           </a:rPr>
                           <m:t>𝑥</m:t>
@@ -18469,7 +18505,7 @@
                       </m:e>
                       <m:sub>
                         <m:r>
-                          <a:rPr lang="en-US" sz="1400" b="0" i="1" smtClean="0">
+                          <a:rPr lang="en-US" sz="1600" b="0" i="1" smtClean="0">
                             <a:latin typeface="Cambria Math" charset="0"/>
                           </a:rPr>
                           <m:t>2</m:t>
@@ -18477,43 +18513,43 @@
                       </m:sub>
                     </m:sSub>
                     <m:r>
-                      <a:rPr lang="en-US" sz="1400" b="0" i="1" smtClean="0">
+                      <a:rPr lang="en-US" sz="1600" b="0" i="1" smtClean="0">
                         <a:latin typeface="Cambria Math" charset="0"/>
                       </a:rPr>
                       <m:t>∈[</m:t>
                     </m:r>
                     <m:r>
-                      <a:rPr lang="en-US" sz="1400" b="0" i="1" smtClean="0">
+                      <a:rPr lang="en-US" sz="1600" b="0" i="1" smtClean="0">
                         <a:latin typeface="Cambria Math" charset="0"/>
                       </a:rPr>
                       <m:t>𝑐</m:t>
                     </m:r>
                     <m:r>
-                      <a:rPr lang="en-US" sz="1400" b="0" i="1" smtClean="0">
+                      <a:rPr lang="en-US" sz="1600" b="0" i="1" smtClean="0">
                         <a:latin typeface="Cambria Math" charset="0"/>
                       </a:rPr>
                       <m:t>,</m:t>
                     </m:r>
                     <m:r>
-                      <a:rPr lang="en-US" sz="1400" b="0" i="1" smtClean="0">
+                      <a:rPr lang="en-US" sz="1600" b="0" i="1" smtClean="0">
                         <a:latin typeface="Cambria Math" charset="0"/>
                       </a:rPr>
                       <m:t>𝑑</m:t>
                     </m:r>
                     <m:r>
-                      <a:rPr lang="en-US" sz="1400" b="0" i="1" smtClean="0">
+                      <a:rPr lang="en-US" sz="1600" b="0" i="1" smtClean="0">
                         <a:latin typeface="Cambria Math" charset="0"/>
                       </a:rPr>
                       <m:t>]</m:t>
                     </m:r>
                   </m:oMath>
                 </a14:m>
-                <a:endParaRPr lang="en-US" sz="1400" dirty="0"/>
+                <a:endParaRPr lang="en-US" sz="1600" dirty="0"/>
               </a:p>
             </p:txBody>
           </p:sp>
         </mc:Choice>
-        <mc:Fallback xmlns="">
+        <mc:Fallback>
           <p:sp>
             <p:nvSpPr>
               <p:cNvPr id="21" name="Rectangle 20"/>
@@ -18525,15 +18561,15 @@
             <p:spPr>
               <a:xfrm>
                 <a:off x="6634130" y="5240326"/>
-                <a:ext cx="2056300" cy="307777"/>
+                <a:ext cx="2056300" cy="338554"/>
               </a:xfrm>
               <a:prstGeom prst="rect">
                 <a:avLst/>
               </a:prstGeom>
-              <a:blipFill rotWithShape="0">
+              <a:blipFill>
                 <a:blip r:embed="rId7"/>
                 <a:stretch>
-                  <a:fillRect l="-888" t="-4000" b="-20000"/>
+                  <a:fillRect l="-1227" t="-3704" b="-18519"/>
                 </a:stretch>
               </a:blipFill>
             </p:spPr>
@@ -19195,7 +19231,10 @@
           <a:bodyPr/>
           <a:lstStyle/>
           <a:p>
-            <a:endParaRPr lang="en-US"/>
+            <a:r>
+              <a:rPr lang="en-US" dirty="0"/>
+              <a:t>From IRHA to Singular HA conversion</a:t>
+            </a:r>
           </a:p>
         </p:txBody>
       </p:sp>
@@ -19212,7 +19251,7 @@
         <p:spPr>
           <a:xfrm>
             <a:off x="457200" y="1600200"/>
-            <a:ext cx="4953000" cy="4525963"/>
+            <a:ext cx="8382000" cy="4525963"/>
           </a:xfrm>
         </p:spPr>
         <p:txBody>
@@ -19226,7 +19265,7 @@
             </a:pPr>
             <a:r>
               <a:rPr lang="en-US" dirty="0"/>
-              <a:t>Split every variable into two variables---tracking the upper and lower bounds</a:t>
+              <a:t>For every variable create two variables---tracking the upper and lower bounds</a:t>
             </a:r>
           </a:p>
           <a:p>
@@ -19258,15 +19297,21 @@
           </a:xfrm>
         </p:spPr>
       </p:pic>
-      <mc:AlternateContent xmlns:mc="http://schemas.openxmlformats.org/markup-compatibility/2006" xmlns:a14="http://schemas.microsoft.com/office/drawing/2010/main">
-        <mc:Choice Requires="a14">
+      <mc:AlternateContent xmlns:mc="http://schemas.openxmlformats.org/markup-compatibility/2006">
+        <mc:Choice xmlns:a14="http://schemas.microsoft.com/office/drawing/2010/main" Requires="a14">
           <p:graphicFrame>
             <p:nvGraphicFramePr>
               <p:cNvPr id="2" name="Table 1"/>
               <p:cNvGraphicFramePr>
                 <a:graphicFrameLocks noGrp="1"/>
               </p:cNvGraphicFramePr>
-              <p:nvPr/>
+              <p:nvPr>
+                <p:extLst>
+                  <p:ext uri="{D42A27DB-BD31-4B8C-83A1-F6EECF244321}">
+                    <p14:modId xmlns:p14="http://schemas.microsoft.com/office/powerpoint/2010/main" val="680759617"/>
+                  </p:ext>
+                </p:extLst>
+              </p:nvPr>
             </p:nvGraphicFramePr>
             <p:xfrm>
               <a:off x="304800" y="3329781"/>
@@ -19276,7 +19321,7 @@
               <a:graphicData uri="http://schemas.openxmlformats.org/drawingml/2006/table">
                 <a:tbl>
                   <a:tblPr firstRow="1" bandRow="1">
-                    <a:tableStyleId>{5C22544A-7EE6-4342-B048-85BDC9FD1C3A}</a:tableStyleId>
+                    <a:tableStyleId>{5940675A-B579-460E-94D1-54222C63F5DA}</a:tableStyleId>
                   </a:tblPr>
                   <a:tblGrid>
                     <a:gridCol w="1971842">
@@ -19300,6 +19345,7 @@
                         <a:bodyPr/>
                         <a:lstStyle/>
                         <a:p>
+                          <a:pPr algn="ctr"/>
                           <a:r>
                             <a:rPr lang="en-US" sz="1400" dirty="0"/>
                             <a:t>IRHA</a:t>
@@ -19313,6 +19359,7 @@
                         <a:bodyPr/>
                         <a:lstStyle/>
                         <a:p>
+                          <a:pPr algn="ctr"/>
                           <a:r>
                             <a:rPr lang="en-US" sz="1400" dirty="0"/>
                             <a:t>MRA</a:t>
@@ -19341,9 +19388,7 @@
                               </m:oMathParaPr>
                               <m:oMath xmlns:m="http://schemas.openxmlformats.org/officeDocument/2006/math">
                                 <m:r>
-                                  <a:rPr lang="en-US" sz="1400" b="0" i="1" smtClean="0">
-                                    <a:latin typeface="Cambria Math" charset="0"/>
-                                  </a:rPr>
+                                  <a:rPr lang="en-US" sz="1400" smtClean="0"/>
                                   <m:t>𝑥</m:t>
                                 </m:r>
                               </m:oMath>
@@ -19365,24 +19410,18 @@
                               <m:sSub>
                                 <m:sSubPr>
                                   <m:ctrlPr>
-                                    <a:rPr lang="en-US" sz="1400" b="0" i="1" smtClean="0">
-                                      <a:latin typeface="Cambria Math" panose="02040503050406030204" pitchFamily="18" charset="0"/>
-                                    </a:rPr>
+                                    <a:rPr lang="en-US" sz="1400" smtClean="0"/>
                                   </m:ctrlPr>
                                 </m:sSubPr>
                                 <m:e>
                                   <m:r>
-                                    <a:rPr lang="en-US" sz="1400" b="0" i="1" smtClean="0">
-                                      <a:latin typeface="Cambria Math" charset="0"/>
-                                    </a:rPr>
+                                    <a:rPr lang="en-US" sz="1400" smtClean="0"/>
                                     <m:t>𝑥</m:t>
                                   </m:r>
                                 </m:e>
                                 <m:sub>
                                   <m:r>
-                                    <a:rPr lang="en-US" sz="1400" b="0" i="1" smtClean="0">
-                                      <a:latin typeface="Cambria Math" charset="0"/>
-                                    </a:rPr>
+                                    <a:rPr lang="en-US" sz="1400" smtClean="0"/>
                                     <m:t>ℓ</m:t>
                                   </m:r>
                                 </m:sub>
@@ -19398,24 +19437,18 @@
                               <m:sSub>
                                 <m:sSubPr>
                                   <m:ctrlPr>
-                                    <a:rPr lang="en-US" sz="1400" b="0" i="1" smtClean="0">
-                                      <a:latin typeface="Cambria Math" panose="02040503050406030204" pitchFamily="18" charset="0"/>
-                                    </a:rPr>
+                                    <a:rPr lang="en-US" sz="1400" smtClean="0"/>
                                   </m:ctrlPr>
                                 </m:sSubPr>
                                 <m:e>
                                   <m:r>
-                                    <a:rPr lang="en-US" sz="1400" b="0" i="1" smtClean="0">
-                                      <a:latin typeface="Cambria Math" charset="0"/>
-                                    </a:rPr>
+                                    <a:rPr lang="en-US" sz="1400" smtClean="0"/>
                                     <m:t>𝑥</m:t>
                                   </m:r>
                                 </m:e>
                                 <m:sub>
                                   <m:r>
-                                    <a:rPr lang="en-US" sz="1400" b="0" i="1" smtClean="0">
-                                      <a:latin typeface="Cambria Math" charset="0"/>
-                                    </a:rPr>
+                                    <a:rPr lang="en-US" sz="1400" smtClean="0"/>
                                     <m:t>𝑢</m:t>
                                   </m:r>
                                 </m:sub>
@@ -19460,95 +19493,71 @@
                             <a:defRPr/>
                           </a:pPr>
                           <a:r>
-                            <a:rPr lang="en-US" sz="1400" b="0" dirty="0"/>
+                            <a:rPr lang="en-US" sz="1400" dirty="0"/>
                             <a:t>Evolve: </a:t>
                           </a:r>
                           <a14:m>
                             <m:oMath xmlns:m="http://schemas.openxmlformats.org/officeDocument/2006/math">
                               <m:r>
-                                <a:rPr lang="en-US" sz="1400" b="0" i="1" dirty="0" smtClean="0">
-                                  <a:latin typeface="Cambria Math" charset="0"/>
-                                </a:rPr>
+                                <a:rPr lang="en-US" sz="1400" dirty="0" smtClean="0"/>
                                 <m:t>𝑑</m:t>
                               </m:r>
                               <m:r>
-                                <a:rPr lang="en-US" sz="1400" b="0" i="1" dirty="0" smtClean="0">
-                                  <a:latin typeface="Cambria Math" charset="0"/>
-                                </a:rPr>
+                                <a:rPr lang="en-US" sz="1400" dirty="0" smtClean="0"/>
                                 <m:t>(</m:t>
                               </m:r>
                               <m:r>
-                                <a:rPr lang="en-US" sz="1400" b="0" i="1" dirty="0" smtClean="0">
-                                  <a:latin typeface="Cambria Math" charset="0"/>
-                                </a:rPr>
+                                <a:rPr lang="en-US" sz="1400" dirty="0" smtClean="0"/>
                                 <m:t>𝑥</m:t>
                               </m:r>
                               <m:r>
-                                <a:rPr lang="en-US" sz="1400" b="0" i="1" dirty="0" smtClean="0">
-                                  <a:latin typeface="Cambria Math" charset="0"/>
-                                </a:rPr>
+                                <a:rPr lang="en-US" sz="1400" dirty="0" smtClean="0"/>
                                 <m:t>)∈ [</m:t>
                               </m:r>
                               <m:sSub>
                                 <m:sSubPr>
                                   <m:ctrlPr>
-                                    <a:rPr lang="en-US" sz="1400" i="1" dirty="0">
-                                      <a:latin typeface="Cambria Math" panose="02040503050406030204" pitchFamily="18" charset="0"/>
-                                    </a:rPr>
+                                    <a:rPr lang="en-US" sz="1400" dirty="0"/>
                                   </m:ctrlPr>
                                 </m:sSubPr>
                                 <m:e>
                                   <m:r>
-                                    <a:rPr lang="en-US" sz="1400" i="1" dirty="0">
-                                      <a:latin typeface="Cambria Math" charset="0"/>
-                                    </a:rPr>
+                                    <a:rPr lang="en-US" sz="1400" dirty="0"/>
                                     <m:t>𝑎</m:t>
                                   </m:r>
                                 </m:e>
                                 <m:sub>
                                   <m:r>
-                                    <a:rPr lang="en-US" sz="1400" i="1" dirty="0">
-                                      <a:latin typeface="Cambria Math" charset="0"/>
-                                    </a:rPr>
+                                    <a:rPr lang="en-US" sz="1400" dirty="0"/>
                                     <m:t>1</m:t>
                                   </m:r>
                                 </m:sub>
                               </m:sSub>
                               <m:r>
-                                <a:rPr lang="en-US" sz="1400" i="1" dirty="0">
-                                  <a:latin typeface="Cambria Math" charset="0"/>
-                                </a:rPr>
+                                <a:rPr lang="en-US" sz="1400" dirty="0"/>
                                 <m:t>,</m:t>
                               </m:r>
                               <m:sSub>
                                 <m:sSubPr>
                                   <m:ctrlPr>
-                                    <a:rPr lang="en-US" sz="1400" i="1" dirty="0">
-                                      <a:latin typeface="Cambria Math" panose="02040503050406030204" pitchFamily="18" charset="0"/>
-                                    </a:rPr>
+                                    <a:rPr lang="en-US" sz="1400" dirty="0"/>
                                   </m:ctrlPr>
                                 </m:sSubPr>
                                 <m:e>
                                   <m:r>
-                                    <a:rPr lang="en-US" sz="1400" i="1" dirty="0">
-                                      <a:latin typeface="Cambria Math" charset="0"/>
-                                    </a:rPr>
+                                    <a:rPr lang="en-US" sz="1400" dirty="0"/>
                                     <m:t>𝑏</m:t>
                                   </m:r>
                                 </m:e>
                                 <m:sub>
                                   <m:r>
-                                    <a:rPr lang="en-US" sz="1400" i="1" dirty="0">
-                                      <a:latin typeface="Cambria Math" charset="0"/>
-                                    </a:rPr>
+                                    <a:rPr lang="en-US" sz="1400" dirty="0"/>
                                     <m:t>1</m:t>
                                   </m:r>
                                 </m:sub>
                               </m:sSub>
                               <m:r>
-                                <a:rPr lang="en-US" sz="1400" i="1" dirty="0">
-                                  <a:latin typeface="Cambria Math" charset="0"/>
-                                </a:rPr>
+                                <a:rPr lang="en-US" sz="1400" dirty="0"/>
                                 <m:t>]</m:t>
                               </m:r>
                             </m:oMath>
@@ -19574,41 +19583,31 @@
                           <a14:m>
                             <m:oMath xmlns:m="http://schemas.openxmlformats.org/officeDocument/2006/math">
                               <m:r>
-                                <a:rPr lang="en-US" sz="1400" i="1" dirty="0" smtClean="0">
-                                  <a:latin typeface="Cambria Math" charset="0"/>
-                                </a:rPr>
+                                <a:rPr lang="en-US" sz="1400" dirty="0" smtClean="0"/>
                                 <m:t>𝑑</m:t>
                               </m:r>
                               <m:d>
                                 <m:dPr>
                                   <m:ctrlPr>
-                                    <a:rPr lang="en-US" sz="1400" i="1" dirty="0">
-                                      <a:latin typeface="Cambria Math" panose="02040503050406030204" pitchFamily="18" charset="0"/>
-                                    </a:rPr>
+                                    <a:rPr lang="en-US" sz="1400" dirty="0"/>
                                   </m:ctrlPr>
                                 </m:dPr>
                                 <m:e>
                                   <m:sSub>
                                     <m:sSubPr>
                                       <m:ctrlPr>
-                                        <a:rPr lang="en-US" sz="1400" b="0" i="1" dirty="0" smtClean="0">
-                                          <a:latin typeface="Cambria Math" panose="02040503050406030204" pitchFamily="18" charset="0"/>
-                                        </a:rPr>
+                                        <a:rPr lang="en-US" sz="1400" dirty="0" smtClean="0"/>
                                       </m:ctrlPr>
                                     </m:sSubPr>
                                     <m:e>
                                       <m:r>
-                                        <a:rPr lang="en-US" sz="1400" i="1" dirty="0">
-                                          <a:latin typeface="Cambria Math" charset="0"/>
-                                        </a:rPr>
+                                        <a:rPr lang="en-US" sz="1400" dirty="0"/>
                                         <m:t>𝑥</m:t>
                                       </m:r>
                                     </m:e>
                                     <m:sub>
                                       <m:r>
-                                        <a:rPr lang="en-US" sz="1400" b="0" i="1" dirty="0" smtClean="0">
-                                          <a:latin typeface="Cambria Math" charset="0"/>
-                                        </a:rPr>
+                                        <a:rPr lang="en-US" sz="1400" dirty="0" smtClean="0"/>
                                         <m:t>ℓ</m:t>
                                       </m:r>
                                     </m:sub>
@@ -19616,32 +19615,24 @@
                                 </m:e>
                               </m:d>
                               <m:r>
-                                <a:rPr lang="en-US" sz="1400" b="0" i="1" dirty="0" smtClean="0">
-                                  <a:latin typeface="Cambria Math" charset="0"/>
-                                </a:rPr>
+                                <a:rPr lang="en-US" sz="1400" dirty="0" smtClean="0"/>
                                 <m:t>=</m:t>
                               </m:r>
                               <m:sSub>
                                 <m:sSubPr>
                                   <m:ctrlPr>
-                                    <a:rPr lang="en-US" sz="1400" i="1" dirty="0">
-                                      <a:latin typeface="Cambria Math" panose="02040503050406030204" pitchFamily="18" charset="0"/>
-                                    </a:rPr>
+                                    <a:rPr lang="en-US" sz="1400" dirty="0"/>
                                   </m:ctrlPr>
                                 </m:sSubPr>
                                 <m:e>
                                   <m:r>
-                                    <a:rPr lang="en-US" sz="1400" i="1" dirty="0">
-                                      <a:latin typeface="Cambria Math" charset="0"/>
-                                    </a:rPr>
+                                    <a:rPr lang="en-US" sz="1400" dirty="0"/>
                                     <m:t>𝑎</m:t>
                                   </m:r>
                                 </m:e>
                                 <m:sub>
                                   <m:r>
-                                    <a:rPr lang="en-US" sz="1400" i="1" dirty="0">
-                                      <a:latin typeface="Cambria Math" charset="0"/>
-                                    </a:rPr>
+                                    <a:rPr lang="en-US" sz="1400" dirty="0"/>
                                     <m:t>1</m:t>
                                   </m:r>
                                 </m:sub>
@@ -19655,41 +19646,31 @@
                           <a14:m>
                             <m:oMath xmlns:m="http://schemas.openxmlformats.org/officeDocument/2006/math">
                               <m:r>
-                                <a:rPr lang="en-US" sz="1400" i="1" dirty="0">
-                                  <a:latin typeface="Cambria Math" charset="0"/>
-                                </a:rPr>
+                                <a:rPr lang="en-US" sz="1400" dirty="0"/>
                                 <m:t>𝑑</m:t>
                               </m:r>
                               <m:d>
                                 <m:dPr>
                                   <m:ctrlPr>
-                                    <a:rPr lang="en-US" sz="1400" i="1" dirty="0">
-                                      <a:latin typeface="Cambria Math" panose="02040503050406030204" pitchFamily="18" charset="0"/>
-                                    </a:rPr>
+                                    <a:rPr lang="en-US" sz="1400" dirty="0"/>
                                   </m:ctrlPr>
                                 </m:dPr>
                                 <m:e>
                                   <m:sSub>
                                     <m:sSubPr>
                                       <m:ctrlPr>
-                                        <a:rPr lang="en-US" sz="1400" i="1" dirty="0">
-                                          <a:latin typeface="Cambria Math" panose="02040503050406030204" pitchFamily="18" charset="0"/>
-                                        </a:rPr>
+                                        <a:rPr lang="en-US" sz="1400" dirty="0"/>
                                       </m:ctrlPr>
                                     </m:sSubPr>
                                     <m:e>
                                       <m:r>
-                                        <a:rPr lang="en-US" sz="1400" i="1" dirty="0">
-                                          <a:latin typeface="Cambria Math" charset="0"/>
-                                        </a:rPr>
+                                        <a:rPr lang="en-US" sz="1400" dirty="0"/>
                                         <m:t>𝑥</m:t>
                                       </m:r>
                                     </m:e>
                                     <m:sub>
                                       <m:r>
-                                        <a:rPr lang="en-US" sz="1400" b="0" i="1" dirty="0" smtClean="0">
-                                          <a:latin typeface="Cambria Math" charset="0"/>
-                                        </a:rPr>
+                                        <a:rPr lang="en-US" sz="1400" dirty="0" smtClean="0"/>
                                         <m:t>𝑢</m:t>
                                       </m:r>
                                     </m:sub>
@@ -19697,32 +19678,24 @@
                                 </m:e>
                               </m:d>
                               <m:r>
-                                <a:rPr lang="en-US" sz="1400" i="1" dirty="0">
-                                  <a:latin typeface="Cambria Math" charset="0"/>
-                                </a:rPr>
+                                <a:rPr lang="en-US" sz="1400" dirty="0"/>
                                 <m:t>=</m:t>
                               </m:r>
                               <m:sSub>
                                 <m:sSubPr>
                                   <m:ctrlPr>
-                                    <a:rPr lang="en-US" sz="1400" i="1" dirty="0">
-                                      <a:latin typeface="Cambria Math" panose="02040503050406030204" pitchFamily="18" charset="0"/>
-                                    </a:rPr>
+                                    <a:rPr lang="en-US" sz="1400" dirty="0"/>
                                   </m:ctrlPr>
                                 </m:sSubPr>
                                 <m:e>
                                   <m:r>
-                                    <a:rPr lang="en-US" sz="1400" b="0" i="1" dirty="0" smtClean="0">
-                                      <a:latin typeface="Cambria Math" charset="0"/>
-                                    </a:rPr>
+                                    <a:rPr lang="en-US" sz="1400" dirty="0" smtClean="0"/>
                                     <m:t>𝑏</m:t>
                                   </m:r>
                                 </m:e>
                                 <m:sub>
                                   <m:r>
-                                    <a:rPr lang="en-US" sz="1400" i="1" dirty="0">
-                                      <a:latin typeface="Cambria Math" charset="0"/>
-                                    </a:rPr>
+                                    <a:rPr lang="en-US" sz="1400" dirty="0"/>
                                     <m:t>1</m:t>
                                   </m:r>
                                 </m:sub>
@@ -19772,100 +19745,74 @@
                               <m:sSup>
                                 <m:sSupPr>
                                   <m:ctrlPr>
-                                    <a:rPr lang="en-US" sz="1400" i="1" dirty="0" smtClean="0">
-                                      <a:latin typeface="Cambria Math" panose="02040503050406030204" pitchFamily="18" charset="0"/>
-                                    </a:rPr>
+                                    <a:rPr lang="en-US" sz="1400" dirty="0" smtClean="0"/>
                                   </m:ctrlPr>
                                 </m:sSupPr>
                                 <m:e>
                                   <m:r>
-                                    <a:rPr lang="en-US" sz="1400" i="1" dirty="0" smtClean="0">
-                                      <a:latin typeface="Cambria Math" charset="0"/>
-                                    </a:rPr>
+                                    <a:rPr lang="en-US" sz="1400" dirty="0" smtClean="0"/>
                                     <m:t>𝑥</m:t>
                                   </m:r>
                                 </m:e>
                                 <m:sup>
                                   <m:r>
-                                    <a:rPr lang="en-US" sz="1400" i="1" dirty="0">
-                                      <a:latin typeface="Cambria Math" charset="0"/>
-                                    </a:rPr>
+                                    <a:rPr lang="en-US" sz="1400" dirty="0"/>
                                     <m:t>′</m:t>
                                   </m:r>
                                 </m:sup>
                               </m:sSup>
                               <m:r>
-                                <a:rPr lang="en-US" sz="1400" i="1" dirty="0" smtClean="0">
-                                  <a:latin typeface="Cambria Math" charset="0"/>
-                                </a:rPr>
+                                <a:rPr lang="en-US" sz="1400" dirty="0" smtClean="0"/>
                                 <m:t>∈</m:t>
                               </m:r>
                               <m:r>
-                                <a:rPr lang="en-US" sz="1400" i="1" dirty="0">
-                                  <a:latin typeface="Cambria Math" charset="0"/>
-                                </a:rPr>
+                                <a:rPr lang="en-US" sz="1400" dirty="0"/>
                                 <m:t> [</m:t>
                               </m:r>
                               <m:sSub>
                                 <m:sSubPr>
                                   <m:ctrlPr>
-                                    <a:rPr lang="en-US" sz="1400" i="1" dirty="0">
-                                      <a:latin typeface="Cambria Math" panose="02040503050406030204" pitchFamily="18" charset="0"/>
-                                    </a:rPr>
+                                    <a:rPr lang="en-US" sz="1400" dirty="0"/>
                                   </m:ctrlPr>
                                 </m:sSubPr>
                                 <m:e>
                                   <m:r>
-                                    <a:rPr lang="en-US" sz="1400" i="1" dirty="0">
-                                      <a:latin typeface="Cambria Math" charset="0"/>
-                                    </a:rPr>
+                                    <a:rPr lang="en-US" sz="1400" dirty="0"/>
                                     <m:t>𝑎</m:t>
                                   </m:r>
                                 </m:e>
                                 <m:sub>
                                   <m:r>
-                                    <a:rPr lang="en-US" sz="1400" i="1" dirty="0">
-                                      <a:latin typeface="Cambria Math" charset="0"/>
-                                    </a:rPr>
+                                    <a:rPr lang="en-US" sz="1400" dirty="0"/>
                                     <m:t>1</m:t>
                                   </m:r>
                                 </m:sub>
                               </m:sSub>
                               <m:r>
-                                <a:rPr lang="en-US" sz="1400" i="1" dirty="0">
-                                  <a:latin typeface="Cambria Math" charset="0"/>
-                                </a:rPr>
+                                <a:rPr lang="en-US" sz="1400" dirty="0"/>
                                 <m:t>,</m:t>
                               </m:r>
                               <m:sSub>
                                 <m:sSubPr>
                                   <m:ctrlPr>
-                                    <a:rPr lang="en-US" sz="1400" i="1" dirty="0">
-                                      <a:latin typeface="Cambria Math" panose="02040503050406030204" pitchFamily="18" charset="0"/>
-                                    </a:rPr>
+                                    <a:rPr lang="en-US" sz="1400" dirty="0"/>
                                   </m:ctrlPr>
                                 </m:sSubPr>
                                 <m:e>
                                   <m:r>
-                                    <a:rPr lang="en-US" sz="1400" i="1" dirty="0">
-                                      <a:latin typeface="Cambria Math" charset="0"/>
-                                    </a:rPr>
+                                    <a:rPr lang="en-US" sz="1400" dirty="0"/>
                                     <m:t>𝑏</m:t>
                                   </m:r>
                                 </m:e>
                                 <m:sub>
                                   <m:r>
-                                    <a:rPr lang="en-US" sz="1400" i="1" dirty="0">
-                                      <a:latin typeface="Cambria Math" charset="0"/>
-                                    </a:rPr>
+                                    <a:rPr lang="en-US" sz="1400" dirty="0"/>
                                     <m:t>1</m:t>
                                   </m:r>
                                 </m:sub>
                               </m:sSub>
                               <m:r>
-                                <a:rPr lang="en-US" sz="1400" i="1" dirty="0">
-                                  <a:latin typeface="Cambria Math" charset="0"/>
-                                </a:rPr>
+                                <a:rPr lang="en-US" sz="1400" dirty="0"/>
                                 <m:t>]</m:t>
                               </m:r>
                             </m:oMath>
@@ -19909,123 +19856,91 @@
                               <m:sSub>
                                 <m:sSubPr>
                                   <m:ctrlPr>
-                                    <a:rPr lang="en-US" sz="1400" b="0" i="1" dirty="0" smtClean="0">
-                                      <a:latin typeface="Cambria Math" panose="02040503050406030204" pitchFamily="18" charset="0"/>
-                                    </a:rPr>
+                                    <a:rPr lang="en-US" sz="1400" dirty="0" smtClean="0"/>
                                   </m:ctrlPr>
                                 </m:sSubPr>
                                 <m:e>
                                   <m:r>
-                                    <a:rPr lang="en-US" sz="1400" b="0" i="1" dirty="0" smtClean="0">
-                                      <a:latin typeface="Cambria Math" charset="0"/>
-                                    </a:rPr>
+                                    <a:rPr lang="en-US" sz="1400" dirty="0" smtClean="0"/>
                                     <m:t>  </m:t>
                                   </m:r>
                                   <m:r>
-                                    <a:rPr lang="en-US" sz="1400" b="0" i="1" dirty="0" smtClean="0">
-                                      <a:latin typeface="Cambria Math" charset="0"/>
-                                    </a:rPr>
+                                    <a:rPr lang="en-US" sz="1400" dirty="0" smtClean="0"/>
                                     <m:t>𝑥</m:t>
                                   </m:r>
                                 </m:e>
                                 <m:sub>
                                   <m:r>
-                                    <a:rPr lang="en-US" sz="1400" b="0" i="1" dirty="0" smtClean="0">
-                                      <a:latin typeface="Cambria Math" charset="0"/>
-                                    </a:rPr>
+                                    <a:rPr lang="en-US" sz="1400" dirty="0" smtClean="0"/>
                                     <m:t>ℓ</m:t>
                                   </m:r>
                                 </m:sub>
                               </m:sSub>
                               <m:r>
-                                <a:rPr lang="en-US" sz="1400" b="0" i="1" dirty="0" smtClean="0">
-                                  <a:latin typeface="Cambria Math" charset="0"/>
-                                </a:rPr>
+                                <a:rPr lang="en-US" sz="1400" dirty="0" smtClean="0"/>
                                 <m:t>=</m:t>
                               </m:r>
                               <m:sSub>
                                 <m:sSubPr>
                                   <m:ctrlPr>
-                                    <a:rPr lang="en-US" sz="1400" b="0" i="1" dirty="0" smtClean="0">
-                                      <a:latin typeface="Cambria Math" panose="02040503050406030204" pitchFamily="18" charset="0"/>
-                                    </a:rPr>
+                                    <a:rPr lang="en-US" sz="1400" dirty="0" smtClean="0"/>
                                   </m:ctrlPr>
                                 </m:sSubPr>
                                 <m:e>
                                   <m:r>
-                                    <a:rPr lang="en-US" sz="1400" b="0" i="1" dirty="0" smtClean="0">
-                                      <a:latin typeface="Cambria Math" charset="0"/>
-                                    </a:rPr>
+                                    <a:rPr lang="en-US" sz="1400" dirty="0" smtClean="0"/>
                                     <m:t>𝑎</m:t>
                                   </m:r>
                                 </m:e>
                                 <m:sub>
                                   <m:r>
-                                    <a:rPr lang="en-US" sz="1400" b="0" i="1" dirty="0" smtClean="0">
-                                      <a:latin typeface="Cambria Math" charset="0"/>
-                                    </a:rPr>
+                                    <a:rPr lang="en-US" sz="1400" dirty="0" smtClean="0"/>
                                     <m:t>1</m:t>
                                   </m:r>
                                 </m:sub>
                               </m:sSub>
                               <m:r>
-                                <a:rPr lang="en-US" sz="1400" b="0" i="1" dirty="0" smtClean="0">
-                                  <a:latin typeface="Cambria Math" charset="0"/>
-                                </a:rPr>
+                                <a:rPr lang="en-US" sz="1400" dirty="0" smtClean="0"/>
                                 <m:t>;</m:t>
                               </m:r>
                               <m:sSub>
                                 <m:sSubPr>
                                   <m:ctrlPr>
-                                    <a:rPr lang="en-US" sz="1400" b="0" i="1" dirty="0" smtClean="0">
-                                      <a:latin typeface="Cambria Math" panose="02040503050406030204" pitchFamily="18" charset="0"/>
-                                    </a:rPr>
+                                    <a:rPr lang="en-US" sz="1400" dirty="0" smtClean="0"/>
                                   </m:ctrlPr>
                                 </m:sSubPr>
                                 <m:e>
                                   <m:r>
-                                    <a:rPr lang="en-US" sz="1400" b="0" i="1" dirty="0" smtClean="0">
-                                      <a:latin typeface="Cambria Math" charset="0"/>
-                                    </a:rPr>
+                                    <a:rPr lang="en-US" sz="1400" dirty="0" smtClean="0"/>
                                     <m:t>𝑥</m:t>
                                   </m:r>
                                 </m:e>
                                 <m:sub>
                                   <m:r>
-                                    <a:rPr lang="en-US" sz="1400" b="0" i="1" dirty="0" smtClean="0">
-                                      <a:latin typeface="Cambria Math" charset="0"/>
-                                    </a:rPr>
+                                    <a:rPr lang="en-US" sz="1400" dirty="0" smtClean="0"/>
                                     <m:t>𝑢</m:t>
                                   </m:r>
                                 </m:sub>
                               </m:sSub>
                               <m:r>
-                                <a:rPr lang="en-US" sz="1400" b="0" i="1" dirty="0" smtClean="0">
-                                  <a:latin typeface="Cambria Math" charset="0"/>
-                                </a:rPr>
+                                <a:rPr lang="en-US" sz="1400" dirty="0" smtClean="0"/>
                                 <m:t>= </m:t>
                               </m:r>
                               <m:sSub>
                                 <m:sSubPr>
                                   <m:ctrlPr>
-                                    <a:rPr lang="en-US" sz="1400" i="1" dirty="0">
-                                      <a:latin typeface="Cambria Math" panose="02040503050406030204" pitchFamily="18" charset="0"/>
-                                    </a:rPr>
+                                    <a:rPr lang="en-US" sz="1400" dirty="0"/>
                                   </m:ctrlPr>
                                 </m:sSubPr>
                                 <m:e>
                                   <m:r>
-                                    <a:rPr lang="en-US" sz="1400" i="1" dirty="0">
-                                      <a:latin typeface="Cambria Math" charset="0"/>
-                                    </a:rPr>
+                                    <a:rPr lang="en-US" sz="1400" dirty="0"/>
                                     <m:t>𝑏</m:t>
                                   </m:r>
                                 </m:e>
                                 <m:sub>
                                   <m:r>
-                                    <a:rPr lang="en-US" sz="1400" i="1" dirty="0">
-                                      <a:latin typeface="Cambria Math" charset="0"/>
-                                    </a:rPr>
+                                    <a:rPr lang="en-US" sz="1400" dirty="0"/>
                                     <m:t>1</m:t>
                                   </m:r>
                                 </m:sub>
@@ -20058,38 +19973,28 @@
                               <m:sSup>
                                 <m:sSupPr>
                                   <m:ctrlPr>
-                                    <a:rPr lang="en-US" sz="1400" i="1" dirty="0" smtClean="0">
-                                      <a:latin typeface="Cambria Math" panose="02040503050406030204" pitchFamily="18" charset="0"/>
-                                    </a:rPr>
+                                    <a:rPr lang="en-US" sz="1400" dirty="0" smtClean="0"/>
                                   </m:ctrlPr>
                                 </m:sSupPr>
                                 <m:e>
                                   <m:r>
-                                    <a:rPr lang="en-US" sz="1400" i="1" dirty="0" smtClean="0">
-                                      <a:latin typeface="Cambria Math" charset="0"/>
-                                    </a:rPr>
+                                    <a:rPr lang="en-US" sz="1400" dirty="0" smtClean="0"/>
                                     <m:t>𝑥</m:t>
                                   </m:r>
                                 </m:e>
                                 <m:sup>
                                   <m:r>
-                                    <a:rPr lang="en-US" sz="1400" i="1" dirty="0">
-                                      <a:latin typeface="Cambria Math" charset="0"/>
-                                    </a:rPr>
+                                    <a:rPr lang="en-US" sz="1400" dirty="0"/>
                                     <m:t>′</m:t>
                                   </m:r>
                                 </m:sup>
                               </m:sSup>
                               <m:r>
-                                <a:rPr lang="en-US" sz="1400" b="0" i="1" dirty="0" smtClean="0">
-                                  <a:latin typeface="Cambria Math" charset="0"/>
-                                </a:rPr>
+                                <a:rPr lang="en-US" sz="1400" dirty="0" smtClean="0"/>
                                 <m:t>=</m:t>
                               </m:r>
                               <m:r>
-                                <a:rPr lang="en-US" sz="1400" b="0" i="1" dirty="0" smtClean="0">
-                                  <a:latin typeface="Cambria Math" charset="0"/>
-                                </a:rPr>
+                                <a:rPr lang="en-US" sz="1400" dirty="0" smtClean="0"/>
                                 <m:t>𝑐</m:t>
                               </m:r>
                             </m:oMath>
@@ -20117,75 +20022,55 @@
                                 <m:sSub>
                                   <m:sSubPr>
                                     <m:ctrlPr>
-                                      <a:rPr lang="en-US" sz="1400" b="0" i="1" dirty="0" smtClean="0">
-                                        <a:latin typeface="Cambria Math" panose="02040503050406030204" pitchFamily="18" charset="0"/>
-                                      </a:rPr>
+                                      <a:rPr lang="en-US" sz="1400" dirty="0" smtClean="0"/>
                                     </m:ctrlPr>
                                   </m:sSubPr>
                                   <m:e>
                                     <m:r>
-                                      <a:rPr lang="en-US" sz="1400" b="0" i="1" dirty="0" smtClean="0">
-                                        <a:latin typeface="Cambria Math" charset="0"/>
-                                      </a:rPr>
+                                      <a:rPr lang="en-US" sz="1400" dirty="0" smtClean="0"/>
                                       <m:t>  </m:t>
                                     </m:r>
                                     <m:r>
-                                      <a:rPr lang="en-US" sz="1400" b="0" i="1" dirty="0" smtClean="0">
-                                        <a:latin typeface="Cambria Math" charset="0"/>
-                                      </a:rPr>
+                                      <a:rPr lang="en-US" sz="1400" dirty="0" smtClean="0"/>
                                       <m:t>𝑥</m:t>
                                     </m:r>
                                   </m:e>
                                   <m:sub>
                                     <m:r>
-                                      <a:rPr lang="en-US" sz="1400" b="0" i="1" dirty="0" smtClean="0">
-                                        <a:latin typeface="Cambria Math" charset="0"/>
-                                      </a:rPr>
+                                      <a:rPr lang="en-US" sz="1400" dirty="0" smtClean="0"/>
                                       <m:t>ℓ</m:t>
                                     </m:r>
                                   </m:sub>
                                 </m:sSub>
                                 <m:r>
-                                  <a:rPr lang="en-US" sz="1400" b="0" i="1" dirty="0" smtClean="0">
-                                    <a:latin typeface="Cambria Math" charset="0"/>
-                                  </a:rPr>
+                                  <a:rPr lang="en-US" sz="1400" dirty="0" smtClean="0"/>
                                   <m:t>=</m:t>
                                 </m:r>
                                 <m:sSub>
                                   <m:sSubPr>
                                     <m:ctrlPr>
-                                      <a:rPr lang="en-US" sz="1400" b="0" i="1" dirty="0" smtClean="0">
-                                        <a:latin typeface="Cambria Math" panose="02040503050406030204" pitchFamily="18" charset="0"/>
-                                      </a:rPr>
+                                      <a:rPr lang="en-US" sz="1400" dirty="0" smtClean="0"/>
                                     </m:ctrlPr>
                                   </m:sSubPr>
                                   <m:e>
                                     <m:r>
-                                      <a:rPr lang="en-US" sz="1400" b="0" i="1" dirty="0" smtClean="0">
-                                        <a:latin typeface="Cambria Math" charset="0"/>
-                                      </a:rPr>
+                                      <a:rPr lang="en-US" sz="1400" dirty="0" smtClean="0"/>
                                       <m:t>𝑥</m:t>
                                     </m:r>
                                   </m:e>
                                   <m:sub>
                                     <m:r>
-                                      <a:rPr lang="en-US" sz="1400" b="0" i="1" dirty="0" smtClean="0">
-                                        <a:latin typeface="Cambria Math" charset="0"/>
-                                      </a:rPr>
+                                      <a:rPr lang="en-US" sz="1400" dirty="0" smtClean="0"/>
                                       <m:t>𝑢</m:t>
                                     </m:r>
                                   </m:sub>
                                 </m:sSub>
                                 <m:r>
-                                  <a:rPr lang="en-US" sz="1400" b="0" i="1" dirty="0" smtClean="0">
-                                    <a:latin typeface="Cambria Math" charset="0"/>
-                                  </a:rPr>
+                                  <a:rPr lang="en-US" sz="1400" dirty="0" smtClean="0"/>
                                   <m:t>=</m:t>
                                 </m:r>
                                 <m:r>
-                                  <a:rPr lang="en-US" sz="1400" b="0" i="1" dirty="0" smtClean="0">
-                                    <a:latin typeface="Cambria Math" charset="0"/>
-                                  </a:rPr>
+                                  <a:rPr lang="en-US" sz="1400" dirty="0" smtClean="0"/>
                                   <m:t>𝑐</m:t>
                                 </m:r>
                               </m:oMath>
@@ -20216,15 +20101,11 @@
                           <a14:m>
                             <m:oMath xmlns:m="http://schemas.openxmlformats.org/officeDocument/2006/math">
                               <m:r>
-                                <a:rPr lang="it-IT" sz="1400" i="1" dirty="0" smtClean="0">
-                                  <a:latin typeface="Cambria Math" charset="0"/>
-                                </a:rPr>
+                                <a:rPr lang="it-IT" sz="1400" dirty="0" smtClean="0"/>
                                 <m:t>𝑥</m:t>
                               </m:r>
                               <m:r>
-                                <a:rPr lang="it-IT" sz="1400" i="1" dirty="0" smtClean="0">
-                                  <a:latin typeface="Cambria Math" charset="0"/>
-                                </a:rPr>
+                                <a:rPr lang="it-IT" sz="1400" dirty="0" smtClean="0"/>
                                 <m:t>≥ 5 </m:t>
                               </m:r>
                             </m:oMath>
@@ -20265,38 +20146,28 @@
                                 <m:sSub>
                                   <m:sSubPr>
                                     <m:ctrlPr>
-                                      <a:rPr lang="it-IT" sz="1400" i="1" dirty="0" smtClean="0">
-                                        <a:latin typeface="Cambria Math" panose="02040503050406030204" pitchFamily="18" charset="0"/>
-                                      </a:rPr>
+                                      <a:rPr lang="it-IT" sz="1400" dirty="0" smtClean="0"/>
                                     </m:ctrlPr>
                                   </m:sSubPr>
                                   <m:e>
                                     <m:r>
-                                      <a:rPr lang="it-IT" sz="1400" i="1" dirty="0" err="1">
-                                        <a:latin typeface="Cambria Math" charset="0"/>
-                                      </a:rPr>
+                                      <a:rPr lang="it-IT" sz="1400" dirty="0" err="1"/>
                                       <m:t>𝑥</m:t>
                                     </m:r>
                                   </m:e>
                                   <m:sub>
                                     <m:r>
-                                      <a:rPr lang="it-IT" sz="1400" i="1" dirty="0" err="1">
-                                        <a:latin typeface="Cambria Math" charset="0"/>
-                                      </a:rPr>
+                                      <a:rPr lang="it-IT" sz="1400" dirty="0" err="1"/>
                                       <m:t>𝑙</m:t>
                                     </m:r>
                                   </m:sub>
                                 </m:sSub>
                                 <m:r>
-                                  <a:rPr lang="it-IT" sz="1400" i="1" dirty="0" smtClean="0">
-                                    <a:latin typeface="Cambria Math" charset="0"/>
-                                  </a:rPr>
+                                  <a:rPr lang="it-IT" sz="1400" dirty="0" smtClean="0"/>
                                   <m:t>≥</m:t>
                                 </m:r>
                                 <m:r>
-                                  <a:rPr lang="it-IT" sz="1400" i="1" dirty="0">
-                                    <a:latin typeface="Cambria Math" charset="0"/>
-                                  </a:rPr>
+                                  <a:rPr lang="it-IT" sz="1400" dirty="0"/>
                                   <m:t> 5</m:t>
                                 </m:r>
                               </m:oMath>
@@ -20352,75 +20223,55 @@
                               <m:sSub>
                                 <m:sSubPr>
                                   <m:ctrlPr>
-                                    <a:rPr lang="it-IT" sz="1400" i="1" dirty="0" smtClean="0">
-                                      <a:latin typeface="Cambria Math" panose="02040503050406030204" pitchFamily="18" charset="0"/>
-                                    </a:rPr>
+                                    <a:rPr lang="it-IT" sz="1400" dirty="0" smtClean="0"/>
                                   </m:ctrlPr>
                                 </m:sSubPr>
                                 <m:e>
                                   <m:r>
-                                    <a:rPr lang="it-IT" sz="1400" i="1" dirty="0" err="1">
-                                      <a:latin typeface="Cambria Math" charset="0"/>
-                                    </a:rPr>
+                                    <a:rPr lang="it-IT" sz="1400" dirty="0" err="1"/>
                                     <m:t>𝑥</m:t>
                                   </m:r>
                                 </m:e>
                                 <m:sub>
                                   <m:r>
-                                    <a:rPr lang="it-IT" sz="1400" i="1" dirty="0" err="1">
-                                      <a:latin typeface="Cambria Math" charset="0"/>
-                                    </a:rPr>
+                                    <a:rPr lang="it-IT" sz="1400" dirty="0" err="1"/>
                                     <m:t>𝑙</m:t>
                                   </m:r>
                                 </m:sub>
                               </m:sSub>
                               <m:r>
-                                <a:rPr lang="en-US" sz="1400" b="0" i="1" dirty="0" smtClean="0">
-                                  <a:latin typeface="Cambria Math" charset="0"/>
-                                </a:rPr>
+                                <a:rPr lang="en-US" sz="1400" dirty="0" smtClean="0"/>
                                 <m:t>&lt;</m:t>
                               </m:r>
                               <m:r>
-                                <a:rPr lang="it-IT" sz="1400" i="1" dirty="0">
-                                  <a:latin typeface="Cambria Math" charset="0"/>
-                                </a:rPr>
+                                <a:rPr lang="it-IT" sz="1400" dirty="0"/>
                                 <m:t> 5</m:t>
                               </m:r>
                               <m:r>
-                                <a:rPr lang="en-US" sz="1400" b="0" i="1" dirty="0" smtClean="0">
-                                  <a:latin typeface="Cambria Math" charset="0"/>
-                                </a:rPr>
+                                <a:rPr lang="en-US" sz="1400" dirty="0" smtClean="0"/>
                                 <m:t>∧</m:t>
                               </m:r>
                               <m:sSub>
                                 <m:sSubPr>
                                   <m:ctrlPr>
-                                    <a:rPr lang="en-US" sz="1400" b="0" i="1" dirty="0" smtClean="0">
-                                      <a:latin typeface="Cambria Math" panose="02040503050406030204" pitchFamily="18" charset="0"/>
-                                    </a:rPr>
+                                    <a:rPr lang="en-US" sz="1400" dirty="0" smtClean="0"/>
                                   </m:ctrlPr>
                                 </m:sSubPr>
                                 <m:e>
                                   <m:r>
-                                    <a:rPr lang="en-US" sz="1400" b="0" i="1" dirty="0" smtClean="0">
-                                      <a:latin typeface="Cambria Math" charset="0"/>
-                                    </a:rPr>
+                                    <a:rPr lang="en-US" sz="1400" dirty="0" smtClean="0"/>
                                     <m:t>𝑥</m:t>
                                   </m:r>
                                 </m:e>
                                 <m:sub>
                                   <m:r>
-                                    <a:rPr lang="en-US" sz="1400" b="0" i="1" dirty="0" smtClean="0">
-                                      <a:latin typeface="Cambria Math" charset="0"/>
-                                    </a:rPr>
+                                    <a:rPr lang="en-US" sz="1400" dirty="0" smtClean="0"/>
                                     <m:t>𝑢</m:t>
                                   </m:r>
                                 </m:sub>
                               </m:sSub>
                               <m:r>
-                                <a:rPr lang="en-US" sz="1400" b="0" i="1" dirty="0" smtClean="0">
-                                  <a:latin typeface="Cambria Math" charset="0"/>
-                                </a:rPr>
+                                <a:rPr lang="en-US" sz="1400" dirty="0" smtClean="0"/>
                                 <m:t>≥5</m:t>
                               </m:r>
                             </m:oMath>
@@ -20434,38 +20285,28 @@
                               <m:sSub>
                                 <m:sSubPr>
                                   <m:ctrlPr>
-                                    <a:rPr lang="it-IT" sz="1400" i="1" dirty="0" smtClean="0">
-                                      <a:latin typeface="Cambria Math" panose="02040503050406030204" pitchFamily="18" charset="0"/>
-                                    </a:rPr>
+                                    <a:rPr lang="it-IT" sz="1400" dirty="0" smtClean="0"/>
                                   </m:ctrlPr>
                                 </m:sSubPr>
                                 <m:e>
                                   <m:r>
-                                    <a:rPr lang="it-IT" sz="1400" i="1" dirty="0" err="1">
-                                      <a:latin typeface="Cambria Math" charset="0"/>
-                                    </a:rPr>
+                                    <a:rPr lang="it-IT" sz="1400" dirty="0" err="1"/>
                                     <m:t>𝑥</m:t>
                                   </m:r>
                                 </m:e>
                                 <m:sub>
                                   <m:r>
-                                    <a:rPr lang="it-IT" sz="1400" i="1" dirty="0" err="1">
-                                      <a:latin typeface="Cambria Math" charset="0"/>
-                                    </a:rPr>
+                                    <a:rPr lang="it-IT" sz="1400" dirty="0" err="1"/>
                                     <m:t>𝑙</m:t>
                                   </m:r>
                                 </m:sub>
                               </m:sSub>
                               <m:r>
-                                <a:rPr lang="en-US" sz="1400" b="0" i="1" dirty="0" smtClean="0">
-                                  <a:latin typeface="Cambria Math" charset="0"/>
-                                </a:rPr>
+                                <a:rPr lang="en-US" sz="1400" dirty="0" smtClean="0"/>
                                 <m:t>=</m:t>
                               </m:r>
                               <m:r>
-                                <a:rPr lang="it-IT" sz="1400" i="1" dirty="0">
-                                  <a:latin typeface="Cambria Math" charset="0"/>
-                                </a:rPr>
+                                <a:rPr lang="it-IT" sz="1400" dirty="0"/>
                                 <m:t> 5</m:t>
                               </m:r>
                             </m:oMath>
@@ -20486,7 +20327,7 @@
             </a:graphic>
           </p:graphicFrame>
         </mc:Choice>
-        <mc:Fallback xmlns="">
+        <mc:Fallback>
           <p:graphicFrame>
             <p:nvGraphicFramePr>
               <p:cNvPr id="2" name="Table 1"/>
@@ -20496,7 +20337,7 @@
               <p:nvPr>
                 <p:extLst>
                   <p:ext uri="{D42A27DB-BD31-4B8C-83A1-F6EECF244321}">
-                    <p14:modId xmlns:p14="http://schemas.microsoft.com/office/powerpoint/2010/main" val="908998525"/>
+                    <p14:modId xmlns:p14="http://schemas.microsoft.com/office/powerpoint/2010/main" val="680759617"/>
                   </p:ext>
                 </p:extLst>
               </p:nvPr>
@@ -20509,11 +20350,23 @@
               <a:graphicData uri="http://schemas.openxmlformats.org/drawingml/2006/table">
                 <a:tbl>
                   <a:tblPr firstRow="1" bandRow="1">
-                    <a:tableStyleId>{5C22544A-7EE6-4342-B048-85BDC9FD1C3A}</a:tableStyleId>
+                    <a:tableStyleId>{5940675A-B579-460E-94D1-54222C63F5DA}</a:tableStyleId>
                   </a:tblPr>
                   <a:tblGrid>
-                    <a:gridCol w="1971842"/>
-                    <a:gridCol w="2523958"/>
+                    <a:gridCol w="1971842">
+                      <a:extLst>
+                        <a:ext uri="{9D8B030D-6E8A-4147-A177-3AD203B41FA5}">
+                          <a16:colId xmlns:a16="http://schemas.microsoft.com/office/drawing/2014/main" val="20000"/>
+                        </a:ext>
+                      </a:extLst>
+                    </a:gridCol>
+                    <a:gridCol w="2523958">
+                      <a:extLst>
+                        <a:ext uri="{9D8B030D-6E8A-4147-A177-3AD203B41FA5}">
+                          <a16:colId xmlns:a16="http://schemas.microsoft.com/office/drawing/2014/main" val="20001"/>
+                        </a:ext>
+                      </a:extLst>
+                    </a:gridCol>
                   </a:tblGrid>
                   <a:tr h="370840">
                     <a:tc>
@@ -20521,11 +20374,11 @@
                         <a:bodyPr/>
                         <a:lstStyle/>
                         <a:p>
+                          <a:pPr algn="ctr"/>
                           <a:r>
-                            <a:rPr lang="en-US" sz="1400" dirty="0" smtClean="0"/>
+                            <a:rPr lang="en-US" sz="1400" dirty="0"/>
                             <a:t>IRHA</a:t>
                           </a:r>
-                          <a:endParaRPr lang="en-US" sz="1400" dirty="0"/>
                         </a:p>
                       </a:txBody>
                       <a:tcPr/>
@@ -20535,15 +20388,20 @@
                         <a:bodyPr/>
                         <a:lstStyle/>
                         <a:p>
+                          <a:pPr algn="ctr"/>
                           <a:r>
-                            <a:rPr lang="en-US" sz="1400" dirty="0" smtClean="0"/>
+                            <a:rPr lang="en-US" sz="1400" dirty="0"/>
                             <a:t>MRA</a:t>
                           </a:r>
-                          <a:endParaRPr lang="en-US" sz="1400" dirty="0"/>
                         </a:p>
                       </a:txBody>
                       <a:tcPr/>
                     </a:tc>
+                    <a:extLst>
+                      <a:ext uri="{0D108BD9-81ED-4DB2-BD59-A6C34878D82A}">
+                        <a16:rowId xmlns:a16="http://schemas.microsoft.com/office/drawing/2014/main" val="10000"/>
+                      </a:ext>
+                    </a:extLst>
                   </a:tr>
                   <a:tr h="370840">
                     <a:tc>
@@ -20555,10 +20413,10 @@
                         </a:p>
                       </a:txBody>
                       <a:tcPr>
-                        <a:blipFill rotWithShape="0">
+                        <a:blipFill>
                           <a:blip r:embed="rId3"/>
                           <a:stretch>
-                            <a:fillRect l="-617" t="-103279" r="-129012" b="-570492"/>
+                            <a:fillRect l="-645" t="-100000" r="-129032" b="-490000"/>
                           </a:stretch>
                         </a:blipFill>
                       </a:tcPr>
@@ -20572,14 +20430,19 @@
                         </a:p>
                       </a:txBody>
                       <a:tcPr>
-                        <a:blipFill rotWithShape="0">
+                        <a:blipFill>
                           <a:blip r:embed="rId3"/>
                           <a:stretch>
-                            <a:fillRect l="-78744" t="-103279" r="-966" b="-570492"/>
+                            <a:fillRect l="-78392" t="-100000" r="-503" b="-490000"/>
                           </a:stretch>
                         </a:blipFill>
                       </a:tcPr>
                     </a:tc>
+                    <a:extLst>
+                      <a:ext uri="{0D108BD9-81ED-4DB2-BD59-A6C34878D82A}">
+                        <a16:rowId xmlns:a16="http://schemas.microsoft.com/office/drawing/2014/main" val="10001"/>
+                      </a:ext>
+                    </a:extLst>
                   </a:tr>
                   <a:tr h="370840">
                     <a:tc>
@@ -20591,10 +20454,10 @@
                         </a:p>
                       </a:txBody>
                       <a:tcPr>
-                        <a:blipFill rotWithShape="0">
+                        <a:blipFill>
                           <a:blip r:embed="rId3"/>
                           <a:stretch>
-                            <a:fillRect l="-617" t="-203279" r="-129012" b="-470492"/>
+                            <a:fillRect l="-645" t="-206897" r="-129032" b="-406897"/>
                           </a:stretch>
                         </a:blipFill>
                       </a:tcPr>
@@ -20608,14 +20471,19 @@
                         </a:p>
                       </a:txBody>
                       <a:tcPr>
-                        <a:blipFill rotWithShape="0">
+                        <a:blipFill>
                           <a:blip r:embed="rId3"/>
                           <a:stretch>
-                            <a:fillRect l="-78744" t="-203279" r="-966" b="-470492"/>
+                            <a:fillRect l="-78392" t="-206897" r="-503" b="-406897"/>
                           </a:stretch>
                         </a:blipFill>
                       </a:tcPr>
                     </a:tc>
+                    <a:extLst>
+                      <a:ext uri="{0D108BD9-81ED-4DB2-BD59-A6C34878D82A}">
+                        <a16:rowId xmlns:a16="http://schemas.microsoft.com/office/drawing/2014/main" val="10002"/>
+                      </a:ext>
+                    </a:extLst>
                   </a:tr>
                   <a:tr h="370840">
                     <a:tc>
@@ -20627,10 +20495,10 @@
                         </a:p>
                       </a:txBody>
                       <a:tcPr>
-                        <a:blipFill rotWithShape="0">
+                        <a:blipFill>
                           <a:blip r:embed="rId3"/>
                           <a:stretch>
-                            <a:fillRect l="-617" t="-303279" r="-129012" b="-370492"/>
+                            <a:fillRect l="-645" t="-306897" r="-129032" b="-306897"/>
                           </a:stretch>
                         </a:blipFill>
                       </a:tcPr>
@@ -20644,14 +20512,19 @@
                         </a:p>
                       </a:txBody>
                       <a:tcPr>
-                        <a:blipFill rotWithShape="0">
+                        <a:blipFill>
                           <a:blip r:embed="rId3"/>
                           <a:stretch>
-                            <a:fillRect l="-78744" t="-303279" r="-966" b="-370492"/>
+                            <a:fillRect l="-78392" t="-306897" r="-503" b="-306897"/>
                           </a:stretch>
                         </a:blipFill>
                       </a:tcPr>
                     </a:tc>
+                    <a:extLst>
+                      <a:ext uri="{0D108BD9-81ED-4DB2-BD59-A6C34878D82A}">
+                        <a16:rowId xmlns:a16="http://schemas.microsoft.com/office/drawing/2014/main" val="10003"/>
+                      </a:ext>
+                    </a:extLst>
                   </a:tr>
                   <a:tr h="370840">
                     <a:tc>
@@ -20663,10 +20536,10 @@
                         </a:p>
                       </a:txBody>
                       <a:tcPr>
-                        <a:blipFill rotWithShape="0">
+                        <a:blipFill>
                           <a:blip r:embed="rId3"/>
                           <a:stretch>
-                            <a:fillRect l="-617" t="-403279" r="-129012" b="-270492"/>
+                            <a:fillRect l="-645" t="-406897" r="-129032" b="-206897"/>
                           </a:stretch>
                         </a:blipFill>
                       </a:tcPr>
@@ -20680,14 +20553,19 @@
                         </a:p>
                       </a:txBody>
                       <a:tcPr>
-                        <a:blipFill rotWithShape="0">
+                        <a:blipFill>
                           <a:blip r:embed="rId3"/>
                           <a:stretch>
-                            <a:fillRect l="-78744" t="-403279" r="-966" b="-270492"/>
+                            <a:fillRect l="-78392" t="-406897" r="-503" b="-206897"/>
                           </a:stretch>
                         </a:blipFill>
                       </a:tcPr>
                     </a:tc>
+                    <a:extLst>
+                      <a:ext uri="{0D108BD9-81ED-4DB2-BD59-A6C34878D82A}">
+                        <a16:rowId xmlns:a16="http://schemas.microsoft.com/office/drawing/2014/main" val="10004"/>
+                      </a:ext>
+                    </a:extLst>
                   </a:tr>
                   <a:tr h="370840">
                     <a:tc>
@@ -20699,10 +20577,10 @@
                         </a:p>
                       </a:txBody>
                       <a:tcPr>
-                        <a:blipFill rotWithShape="0">
+                        <a:blipFill>
                           <a:blip r:embed="rId3"/>
                           <a:stretch>
-                            <a:fillRect l="-617" t="-503279" r="-129012" b="-170492"/>
+                            <a:fillRect l="-645" t="-490000" r="-129032" b="-100000"/>
                           </a:stretch>
                         </a:blipFill>
                       </a:tcPr>
@@ -20716,14 +20594,19 @@
                         </a:p>
                       </a:txBody>
                       <a:tcPr>
-                        <a:blipFill rotWithShape="0">
+                        <a:blipFill>
                           <a:blip r:embed="rId3"/>
                           <a:stretch>
-                            <a:fillRect l="-78744" t="-503279" r="-966" b="-170492"/>
+                            <a:fillRect l="-78392" t="-490000" r="-503" b="-100000"/>
                           </a:stretch>
                         </a:blipFill>
                       </a:tcPr>
                     </a:tc>
+                    <a:extLst>
+                      <a:ext uri="{0D108BD9-81ED-4DB2-BD59-A6C34878D82A}">
+                        <a16:rowId xmlns:a16="http://schemas.microsoft.com/office/drawing/2014/main" val="10005"/>
+                      </a:ext>
+                    </a:extLst>
                   </a:tr>
                   <a:tr h="370840">
                     <a:tc>
@@ -20746,14 +20629,19 @@
                         </a:p>
                       </a:txBody>
                       <a:tcPr>
-                        <a:blipFill rotWithShape="0">
+                        <a:blipFill>
                           <a:blip r:embed="rId3"/>
                           <a:stretch>
-                            <a:fillRect l="-78744" t="-603279" r="-966" b="-70492"/>
+                            <a:fillRect l="-78392" t="-610345" r="-503" b="-3448"/>
                           </a:stretch>
                         </a:blipFill>
                       </a:tcPr>
                     </a:tc>
+                    <a:extLst>
+                      <a:ext uri="{0D108BD9-81ED-4DB2-BD59-A6C34878D82A}">
+                        <a16:rowId xmlns:a16="http://schemas.microsoft.com/office/drawing/2014/main" val="10006"/>
+                      </a:ext>
+                    </a:extLst>
                   </a:tr>
                 </a:tbl>
               </a:graphicData>
@@ -22474,7 +22362,12 @@
             <p:ph type="title"/>
           </p:nvPr>
         </p:nvSpPr>
-        <p:spPr/>
+        <p:spPr>
+          <a:xfrm>
+            <a:off x="457200" y="274638"/>
+            <a:ext cx="8229600" cy="563558"/>
+          </a:xfrm>
+        </p:spPr>
         <p:txBody>
           <a:bodyPr/>
           <a:lstStyle/>
@@ -29803,7 +29696,7 @@
         </p:blipFill>
         <p:spPr>
           <a:xfrm>
-            <a:off x="1905000" y="1371600"/>
+            <a:off x="152400" y="1354931"/>
             <a:ext cx="5657202" cy="2317750"/>
           </a:xfrm>
           <a:prstGeom prst="rect">
@@ -29827,7 +29720,7 @@
         </p:blipFill>
         <p:spPr>
           <a:xfrm>
-            <a:off x="1915511" y="3581400"/>
+            <a:off x="152400" y="3717809"/>
             <a:ext cx="5780690" cy="2070330"/>
           </a:xfrm>
           <a:prstGeom prst="rect">
@@ -30677,6 +30570,14 @@
 <file path=ppt/slides/slide39.xml><?xml version="1.0" encoding="utf-8"?>
 <p:sld xmlns:a="http://schemas.openxmlformats.org/drawingml/2006/main" xmlns:r="http://schemas.openxmlformats.org/officeDocument/2006/relationships" xmlns:p="http://schemas.openxmlformats.org/presentationml/2006/main">
   <p:cSld>
+    <p:bg>
+      <p:bgPr>
+        <a:solidFill>
+          <a:schemeClr val="bg1"/>
+        </a:solidFill>
+        <a:effectLst/>
+      </p:bgPr>
+    </p:bg>
     <p:spTree>
       <p:nvGrpSpPr>
         <p:cNvPr id="1" name=""/>
@@ -30693,7 +30594,13 @@
       </p:grpSpPr>
       <p:sp>
         <p:nvSpPr>
-          <p:cNvPr id="2" name="Title 1"/>
+          <p:cNvPr id="2" name="Title 1">
+            <a:extLst>
+              <a:ext uri="{FF2B5EF4-FFF2-40B4-BE49-F238E27FC236}">
+                <a16:creationId xmlns:a16="http://schemas.microsoft.com/office/drawing/2014/main" id="{7E98817F-A90D-1B46-AB05-719F0D62C4A3}"/>
+              </a:ext>
+            </a:extLst>
+          </p:cNvPr>
           <p:cNvSpPr>
             <a:spLocks noGrp="1"/>
           </p:cNvSpPr>
@@ -30701,1372 +30608,76 @@
             <p:ph type="title"/>
           </p:nvPr>
         </p:nvSpPr>
-        <p:spPr/>
+        <p:spPr>
+          <a:xfrm>
+            <a:off x="628650" y="365125"/>
+            <a:ext cx="7886700" cy="1325563"/>
+          </a:xfrm>
+        </p:spPr>
         <p:txBody>
-          <a:bodyPr>
+          <a:bodyPr vert="horz" lIns="91440" tIns="45720" rIns="91440" bIns="45720" rtlCol="0" anchor="ctr">
             <a:normAutofit/>
           </a:bodyPr>
           <a:lstStyle/>
           <a:p>
+            <a:pPr algn="l">
+              <a:lnSpc>
+                <a:spcPct val="90000"/>
+              </a:lnSpc>
+            </a:pPr>
             <a:r>
-              <a:rPr lang="en-US" sz="3600" dirty="0"/>
-              <a:t>Reachability Computation with </a:t>
+              <a:rPr lang="en-US" sz="4400" kern="1200" dirty="0">
+                <a:solidFill>
+                  <a:schemeClr val="tx1"/>
+                </a:solidFill>
+                <a:ea typeface="+mj-ea"/>
+                <a:cs typeface="+mj-cs"/>
+              </a:rPr>
+              <a:t>Data structures: rectangles and ellipsoids</a:t>
             </a:r>
-            <a:r>
-              <a:rPr lang="en-US" sz="3600" dirty="0" err="1"/>
-              <a:t>polyhedra</a:t>
-            </a:r>
-            <a:endParaRPr lang="en-US" sz="3600" dirty="0"/>
           </a:p>
         </p:txBody>
       </p:sp>
-      <mc:AlternateContent xmlns:mc="http://schemas.openxmlformats.org/markup-compatibility/2006" xmlns:a14="http://schemas.microsoft.com/office/drawing/2010/main">
-        <mc:Choice Requires="a14">
-          <p:sp>
-            <p:nvSpPr>
-              <p:cNvPr id="35" name="Content Placeholder 34"/>
-              <p:cNvSpPr>
-                <a:spLocks noGrp="1"/>
-              </p:cNvSpPr>
-              <p:nvPr>
-                <p:ph sz="half" idx="2"/>
-              </p:nvPr>
-            </p:nvSpPr>
-            <p:spPr/>
-            <p:txBody>
-              <a:bodyPr>
-                <a:normAutofit lnSpcReduction="10000"/>
-              </a:bodyPr>
-              <a:lstStyle/>
-              <a:p>
-                <a:r>
-                  <a:rPr lang="en-US" dirty="0"/>
-                  <a:t>A set of states is represented by disjunction of linear inequalities</a:t>
-                </a:r>
-              </a:p>
-              <a:p>
-                <a:pPr lvl="1"/>
-                <a14:m>
-                  <m:oMath xmlns:m="http://schemas.openxmlformats.org/officeDocument/2006/math">
-                    <m:d>
-                      <m:dPr>
-                        <m:ctrlPr>
-                          <a:rPr lang="en-US" b="0" i="1" smtClean="0">
-                            <a:latin typeface="Cambria Math" panose="02040503050406030204" pitchFamily="18" charset="0"/>
-                          </a:rPr>
-                        </m:ctrlPr>
-                      </m:dPr>
-                      <m:e>
-                        <m:r>
-                          <a:rPr lang="en-US" b="0" i="1" smtClean="0">
-                            <a:latin typeface="Cambria Math"/>
-                          </a:rPr>
-                          <m:t>𝑙𝑜𝑐</m:t>
-                        </m:r>
-                        <m:r>
-                          <a:rPr lang="en-US" b="0" i="1" smtClean="0">
-                            <a:latin typeface="Cambria Math"/>
-                          </a:rPr>
-                          <m:t>=</m:t>
-                        </m:r>
-                        <m:sSub>
-                          <m:sSubPr>
-                            <m:ctrlPr>
-                              <a:rPr lang="en-US" b="0" i="1" smtClean="0">
-                                <a:latin typeface="Cambria Math" panose="02040503050406030204" pitchFamily="18" charset="0"/>
-                              </a:rPr>
-                            </m:ctrlPr>
-                          </m:sSubPr>
-                          <m:e>
-                            <m:r>
-                              <a:rPr lang="en-US" b="0" i="1" smtClean="0">
-                                <a:latin typeface="Cambria Math"/>
-                              </a:rPr>
-                              <m:t>𝑙</m:t>
-                            </m:r>
-                          </m:e>
-                          <m:sub>
-                            <m:r>
-                              <a:rPr lang="en-US" b="0" i="1" smtClean="0">
-                                <a:latin typeface="Cambria Math"/>
-                              </a:rPr>
-                              <m:t>1</m:t>
-                            </m:r>
-                          </m:sub>
-                        </m:sSub>
-                        <m:r>
-                          <a:rPr lang="en-US" b="0" i="1" smtClean="0">
-                            <a:latin typeface="Cambria Math"/>
-                          </a:rPr>
-                          <m:t>∧</m:t>
-                        </m:r>
-                        <m:sSub>
-                          <m:sSubPr>
-                            <m:ctrlPr>
-                              <a:rPr lang="en-US" b="0" i="1" smtClean="0">
-                                <a:latin typeface="Cambria Math" panose="02040503050406030204" pitchFamily="18" charset="0"/>
-                              </a:rPr>
-                            </m:ctrlPr>
-                          </m:sSubPr>
-                          <m:e>
-                            <m:r>
-                              <a:rPr lang="en-US" b="0" i="1" smtClean="0">
-                                <a:latin typeface="Cambria Math"/>
-                              </a:rPr>
-                              <m:t>𝐴</m:t>
-                            </m:r>
-                          </m:e>
-                          <m:sub>
-                            <m:r>
-                              <a:rPr lang="en-US" b="0" i="1" smtClean="0">
-                                <a:latin typeface="Cambria Math"/>
-                              </a:rPr>
-                              <m:t>1</m:t>
-                            </m:r>
-                          </m:sub>
-                        </m:sSub>
-                        <m:r>
-                          <a:rPr lang="en-US" b="0" i="1" smtClean="0">
-                            <a:latin typeface="Cambria Math"/>
-                          </a:rPr>
-                          <m:t>𝑥</m:t>
-                        </m:r>
-                        <m:r>
-                          <a:rPr lang="en-US" b="0" i="1" smtClean="0">
-                            <a:latin typeface="Cambria Math"/>
-                          </a:rPr>
-                          <m:t>≤</m:t>
-                        </m:r>
-                        <m:sSub>
-                          <m:sSubPr>
-                            <m:ctrlPr>
-                              <a:rPr lang="en-US" b="0" i="1" smtClean="0">
-                                <a:latin typeface="Cambria Math" panose="02040503050406030204" pitchFamily="18" charset="0"/>
-                              </a:rPr>
-                            </m:ctrlPr>
-                          </m:sSubPr>
-                          <m:e>
-                            <m:r>
-                              <a:rPr lang="en-US" b="0" i="1" smtClean="0">
-                                <a:latin typeface="Cambria Math"/>
-                              </a:rPr>
-                              <m:t>𝑏</m:t>
-                            </m:r>
-                          </m:e>
-                          <m:sub>
-                            <m:r>
-                              <a:rPr lang="en-US" b="0" i="1" smtClean="0">
-                                <a:latin typeface="Cambria Math"/>
-                              </a:rPr>
-                              <m:t>1</m:t>
-                            </m:r>
-                          </m:sub>
-                        </m:sSub>
-                      </m:e>
-                    </m:d>
-                    <m:r>
-                      <a:rPr lang="en-US" b="0" i="1" smtClean="0">
-                        <a:latin typeface="Cambria Math"/>
-                      </a:rPr>
-                      <m:t>∨</m:t>
-                    </m:r>
-                    <m:d>
-                      <m:dPr>
-                        <m:ctrlPr>
-                          <a:rPr lang="en-US" i="1">
-                            <a:latin typeface="Cambria Math" panose="02040503050406030204" pitchFamily="18" charset="0"/>
-                          </a:rPr>
-                        </m:ctrlPr>
-                      </m:dPr>
-                      <m:e>
-                        <m:r>
-                          <a:rPr lang="en-US" i="1">
-                            <a:latin typeface="Cambria Math"/>
-                          </a:rPr>
-                          <m:t>𝑙𝑜𝑐</m:t>
-                        </m:r>
-                        <m:r>
-                          <a:rPr lang="en-US" i="1">
-                            <a:latin typeface="Cambria Math"/>
-                          </a:rPr>
-                          <m:t>=</m:t>
-                        </m:r>
-                        <m:sSub>
-                          <m:sSubPr>
-                            <m:ctrlPr>
-                              <a:rPr lang="en-US" i="1">
-                                <a:latin typeface="Cambria Math" panose="02040503050406030204" pitchFamily="18" charset="0"/>
-                              </a:rPr>
-                            </m:ctrlPr>
-                          </m:sSubPr>
-                          <m:e>
-                            <m:r>
-                              <a:rPr lang="en-US" i="1">
-                                <a:latin typeface="Cambria Math"/>
-                              </a:rPr>
-                              <m:t>𝑙</m:t>
-                            </m:r>
-                          </m:e>
-                          <m:sub>
-                            <m:r>
-                              <a:rPr lang="en-US" b="0" i="1" smtClean="0">
-                                <a:latin typeface="Cambria Math"/>
-                              </a:rPr>
-                              <m:t>2</m:t>
-                            </m:r>
-                          </m:sub>
-                        </m:sSub>
-                        <m:r>
-                          <a:rPr lang="en-US" i="1">
-                            <a:latin typeface="Cambria Math"/>
-                          </a:rPr>
-                          <m:t>∧</m:t>
-                        </m:r>
-                        <m:sSub>
-                          <m:sSubPr>
-                            <m:ctrlPr>
-                              <a:rPr lang="en-US" i="1">
-                                <a:latin typeface="Cambria Math" panose="02040503050406030204" pitchFamily="18" charset="0"/>
-                              </a:rPr>
-                            </m:ctrlPr>
-                          </m:sSubPr>
-                          <m:e>
-                            <m:r>
-                              <a:rPr lang="en-US" i="1">
-                                <a:latin typeface="Cambria Math"/>
-                              </a:rPr>
-                              <m:t>𝐴</m:t>
-                            </m:r>
-                          </m:e>
-                          <m:sub>
-                            <m:r>
-                              <a:rPr lang="en-US" b="0" i="1" smtClean="0">
-                                <a:latin typeface="Cambria Math"/>
-                              </a:rPr>
-                              <m:t>2</m:t>
-                            </m:r>
-                          </m:sub>
-                        </m:sSub>
-                        <m:r>
-                          <a:rPr lang="en-US" i="1">
-                            <a:latin typeface="Cambria Math"/>
-                          </a:rPr>
-                          <m:t>𝑥</m:t>
-                        </m:r>
-                        <m:r>
-                          <a:rPr lang="en-US" i="1">
-                            <a:latin typeface="Cambria Math"/>
-                          </a:rPr>
-                          <m:t>≤</m:t>
-                        </m:r>
-                        <m:sSub>
-                          <m:sSubPr>
-                            <m:ctrlPr>
-                              <a:rPr lang="en-US" i="1">
-                                <a:latin typeface="Cambria Math" panose="02040503050406030204" pitchFamily="18" charset="0"/>
-                              </a:rPr>
-                            </m:ctrlPr>
-                          </m:sSubPr>
-                          <m:e>
-                            <m:r>
-                              <a:rPr lang="en-US" i="1">
-                                <a:latin typeface="Cambria Math"/>
-                              </a:rPr>
-                              <m:t>𝑏</m:t>
-                            </m:r>
-                          </m:e>
-                          <m:sub>
-                            <m:r>
-                              <a:rPr lang="en-US" b="0" i="1" smtClean="0">
-                                <a:latin typeface="Cambria Math"/>
-                              </a:rPr>
-                              <m:t>2</m:t>
-                            </m:r>
-                          </m:sub>
-                        </m:sSub>
-                      </m:e>
-                    </m:d>
-                    <m:r>
-                      <a:rPr lang="en-US" b="0" i="1" smtClean="0">
-                        <a:latin typeface="Cambria Math"/>
-                      </a:rPr>
-                      <m:t>∨…</m:t>
-                    </m:r>
-                  </m:oMath>
-                </a14:m>
-                <a:endParaRPr lang="en-US" b="0" dirty="0"/>
-              </a:p>
-              <a:p>
-                <a:r>
-                  <a:rPr lang="en-US" dirty="0"/>
-                  <a:t>Post(,) computation performed symbolically using quantifier elimination</a:t>
-                </a:r>
-              </a:p>
-              <a:p>
-                <a:pPr marL="0" indent="0">
-                  <a:buNone/>
-                </a:pPr>
-                <a:endParaRPr lang="en-US" dirty="0"/>
-              </a:p>
-            </p:txBody>
-          </p:sp>
-        </mc:Choice>
-        <mc:Fallback xmlns="">
-          <p:sp>
-            <p:nvSpPr>
-              <p:cNvPr id="35" name="Content Placeholder 34"/>
-              <p:cNvSpPr>
-                <a:spLocks noGrp="1" noRot="1" noChangeAspect="1" noMove="1" noResize="1" noEditPoints="1" noAdjustHandles="1" noChangeArrowheads="1" noChangeShapeType="1" noTextEdit="1"/>
-              </p:cNvSpPr>
-              <p:nvPr>
-                <p:ph sz="half" idx="2"/>
-              </p:nvPr>
-            </p:nvSpPr>
-            <p:spPr>
-              <a:blipFill rotWithShape="1">
-                <a:blip r:embed="rId2"/>
-                <a:stretch>
-                  <a:fillRect l="-2719" t="-2156" r="-1813" b="-1078"/>
-                </a:stretch>
-              </a:blipFill>
-            </p:spPr>
-            <p:txBody>
-              <a:bodyPr/>
-              <a:lstStyle/>
-              <a:p>
-                <a:r>
-                  <a:rPr lang="en-US">
-                    <a:noFill/>
-                  </a:rPr>
-                  <a:t> </a:t>
-                </a:r>
-              </a:p>
-            </p:txBody>
-          </p:sp>
-        </mc:Fallback>
-      </mc:AlternateContent>
-      <p:sp>
-        <p:nvSpPr>
-          <p:cNvPr id="4" name="Rectangle 3"/>
-          <p:cNvSpPr/>
+      <p:pic>
+        <p:nvPicPr>
+          <p:cNvPr id="5" name="Picture 4">
+            <a:extLst>
+              <a:ext uri="{FF2B5EF4-FFF2-40B4-BE49-F238E27FC236}">
+                <a16:creationId xmlns:a16="http://schemas.microsoft.com/office/drawing/2014/main" id="{82D82271-9E71-CB44-89C1-6991CC04FE4A}"/>
+              </a:ext>
+            </a:extLst>
+          </p:cNvPr>
+          <p:cNvPicPr>
+            <a:picLocks noChangeAspect="1"/>
+          </p:cNvPicPr>
           <p:nvPr/>
-        </p:nvSpPr>
+        </p:nvPicPr>
+        <p:blipFill>
+          <a:blip r:embed="rId2"/>
+          <a:stretch>
+            <a:fillRect/>
+          </a:stretch>
+        </p:blipFill>
         <p:spPr>
           <a:xfrm>
-            <a:off x="457200" y="1905000"/>
-            <a:ext cx="4114800" cy="3733800"/>
+            <a:off x="928693" y="1756085"/>
+            <a:ext cx="7286614" cy="4736790"/>
           </a:xfrm>
           <a:prstGeom prst="rect">
             <a:avLst/>
           </a:prstGeom>
         </p:spPr>
-        <p:style>
-          <a:lnRef idx="2">
-            <a:schemeClr val="dk1"/>
-          </a:lnRef>
-          <a:fillRef idx="1">
-            <a:schemeClr val="lt1"/>
-          </a:fillRef>
-          <a:effectRef idx="0">
-            <a:schemeClr val="dk1"/>
-          </a:effectRef>
-          <a:fontRef idx="minor">
-            <a:schemeClr val="dk1"/>
-          </a:fontRef>
-        </p:style>
-        <p:txBody>
-          <a:bodyPr rtlCol="0" anchor="ctr"/>
-          <a:lstStyle/>
-          <a:p>
-            <a:pPr algn="ctr"/>
-            <a:endParaRPr lang="en-US"/>
-          </a:p>
-        </p:txBody>
-      </p:sp>
-      <p:cxnSp>
-        <p:nvCxnSpPr>
-          <p:cNvPr id="6" name="Straight Connector 5"/>
-          <p:cNvCxnSpPr>
-            <a:stCxn id="4" idx="0"/>
-            <a:endCxn id="4" idx="2"/>
-          </p:cNvCxnSpPr>
-          <p:nvPr/>
-        </p:nvCxnSpPr>
-        <p:spPr>
-          <a:xfrm>
-            <a:off x="2514600" y="1905000"/>
-            <a:ext cx="0" cy="3733800"/>
-          </a:xfrm>
-          <a:prstGeom prst="line">
-            <a:avLst/>
-          </a:prstGeom>
-        </p:spPr>
-        <p:style>
-          <a:lnRef idx="2">
-            <a:schemeClr val="dk1"/>
-          </a:lnRef>
-          <a:fillRef idx="0">
-            <a:schemeClr val="dk1"/>
-          </a:fillRef>
-          <a:effectRef idx="1">
-            <a:schemeClr val="dk1"/>
-          </a:effectRef>
-          <a:fontRef idx="minor">
-            <a:schemeClr val="tx1"/>
-          </a:fontRef>
-        </p:style>
-      </p:cxnSp>
-      <p:cxnSp>
-        <p:nvCxnSpPr>
-          <p:cNvPr id="8" name="Straight Connector 7"/>
-          <p:cNvCxnSpPr>
-            <a:stCxn id="4" idx="1"/>
-            <a:endCxn id="4" idx="3"/>
-          </p:cNvCxnSpPr>
-          <p:nvPr/>
-        </p:nvCxnSpPr>
-        <p:spPr>
-          <a:xfrm>
-            <a:off x="457200" y="3771900"/>
-            <a:ext cx="4114800" cy="0"/>
-          </a:xfrm>
-          <a:prstGeom prst="line">
-            <a:avLst/>
-          </a:prstGeom>
-        </p:spPr>
-        <p:style>
-          <a:lnRef idx="2">
-            <a:schemeClr val="dk1"/>
-          </a:lnRef>
-          <a:fillRef idx="0">
-            <a:schemeClr val="dk1"/>
-          </a:fillRef>
-          <a:effectRef idx="1">
-            <a:schemeClr val="dk1"/>
-          </a:effectRef>
-          <a:fontRef idx="minor">
-            <a:schemeClr val="tx1"/>
-          </a:fontRef>
-        </p:style>
-      </p:cxnSp>
-      <p:cxnSp>
-        <p:nvCxnSpPr>
-          <p:cNvPr id="12" name="Straight Connector 11"/>
-          <p:cNvCxnSpPr/>
-          <p:nvPr/>
-        </p:nvCxnSpPr>
-        <p:spPr>
-          <a:xfrm flipV="1">
-            <a:off x="1104900" y="2590800"/>
-            <a:ext cx="533400" cy="533400"/>
-          </a:xfrm>
-          <a:prstGeom prst="line">
-            <a:avLst/>
-          </a:prstGeom>
-          <a:ln>
-            <a:headEnd type="none" w="med" len="med"/>
-            <a:tailEnd type="arrow" w="med" len="med"/>
-          </a:ln>
-        </p:spPr>
-        <p:style>
-          <a:lnRef idx="2">
-            <a:schemeClr val="dk1"/>
-          </a:lnRef>
-          <a:fillRef idx="0">
-            <a:schemeClr val="dk1"/>
-          </a:fillRef>
-          <a:effectRef idx="1">
-            <a:schemeClr val="dk1"/>
-          </a:effectRef>
-          <a:fontRef idx="minor">
-            <a:schemeClr val="tx1"/>
-          </a:fontRef>
-        </p:style>
-      </p:cxnSp>
-      <p:cxnSp>
-        <p:nvCxnSpPr>
-          <p:cNvPr id="13" name="Straight Connector 12"/>
-          <p:cNvCxnSpPr/>
-          <p:nvPr/>
-        </p:nvCxnSpPr>
-        <p:spPr>
-          <a:xfrm>
-            <a:off x="3048000" y="2647950"/>
-            <a:ext cx="381000" cy="552450"/>
-          </a:xfrm>
-          <a:prstGeom prst="line">
-            <a:avLst/>
-          </a:prstGeom>
-          <a:ln>
-            <a:headEnd type="none" w="med" len="med"/>
-            <a:tailEnd type="arrow" w="med" len="med"/>
-          </a:ln>
-        </p:spPr>
-        <p:style>
-          <a:lnRef idx="2">
-            <a:schemeClr val="dk1"/>
-          </a:lnRef>
-          <a:fillRef idx="0">
-            <a:schemeClr val="dk1"/>
-          </a:fillRef>
-          <a:effectRef idx="1">
-            <a:schemeClr val="dk1"/>
-          </a:effectRef>
-          <a:fontRef idx="minor">
-            <a:schemeClr val="tx1"/>
-          </a:fontRef>
-        </p:style>
-      </p:cxnSp>
-      <p:cxnSp>
-        <p:nvCxnSpPr>
-          <p:cNvPr id="18" name="Straight Connector 17"/>
-          <p:cNvCxnSpPr/>
-          <p:nvPr/>
-        </p:nvCxnSpPr>
-        <p:spPr>
-          <a:xfrm flipH="1">
-            <a:off x="3048001" y="4343400"/>
-            <a:ext cx="533399" cy="685800"/>
-          </a:xfrm>
-          <a:prstGeom prst="line">
-            <a:avLst/>
-          </a:prstGeom>
-          <a:ln>
-            <a:headEnd type="none" w="med" len="med"/>
-            <a:tailEnd type="arrow" w="med" len="med"/>
-          </a:ln>
-        </p:spPr>
-        <p:style>
-          <a:lnRef idx="2">
-            <a:schemeClr val="dk1"/>
-          </a:lnRef>
-          <a:fillRef idx="0">
-            <a:schemeClr val="dk1"/>
-          </a:fillRef>
-          <a:effectRef idx="1">
-            <a:schemeClr val="dk1"/>
-          </a:effectRef>
-          <a:fontRef idx="minor">
-            <a:schemeClr val="tx1"/>
-          </a:fontRef>
-        </p:style>
-      </p:cxnSp>
-      <p:cxnSp>
-        <p:nvCxnSpPr>
-          <p:cNvPr id="21" name="Straight Connector 20"/>
-          <p:cNvCxnSpPr/>
-          <p:nvPr/>
-        </p:nvCxnSpPr>
-        <p:spPr>
-          <a:xfrm flipH="1">
-            <a:off x="2819400" y="4343400"/>
-            <a:ext cx="762000" cy="342900"/>
-          </a:xfrm>
-          <a:prstGeom prst="line">
-            <a:avLst/>
-          </a:prstGeom>
-          <a:ln>
-            <a:headEnd type="none" w="med" len="med"/>
-            <a:tailEnd type="arrow" w="med" len="med"/>
-          </a:ln>
-        </p:spPr>
-        <p:style>
-          <a:lnRef idx="2">
-            <a:schemeClr val="dk1"/>
-          </a:lnRef>
-          <a:fillRef idx="0">
-            <a:schemeClr val="dk1"/>
-          </a:fillRef>
-          <a:effectRef idx="1">
-            <a:schemeClr val="dk1"/>
-          </a:effectRef>
-          <a:fontRef idx="minor">
-            <a:schemeClr val="tx1"/>
-          </a:fontRef>
-        </p:style>
-      </p:cxnSp>
-      <p:cxnSp>
-        <p:nvCxnSpPr>
-          <p:cNvPr id="24" name="Straight Connector 23"/>
-          <p:cNvCxnSpPr/>
-          <p:nvPr/>
-        </p:nvCxnSpPr>
-        <p:spPr>
-          <a:xfrm flipH="1" flipV="1">
-            <a:off x="1295401" y="4452999"/>
-            <a:ext cx="533400" cy="500002"/>
-          </a:xfrm>
-          <a:prstGeom prst="line">
-            <a:avLst/>
-          </a:prstGeom>
-          <a:ln>
-            <a:headEnd type="none" w="med" len="med"/>
-            <a:tailEnd type="arrow" w="med" len="med"/>
-          </a:ln>
-        </p:spPr>
-        <p:style>
-          <a:lnRef idx="2">
-            <a:schemeClr val="dk1"/>
-          </a:lnRef>
-          <a:fillRef idx="0">
-            <a:schemeClr val="dk1"/>
-          </a:fillRef>
-          <a:effectRef idx="1">
-            <a:schemeClr val="dk1"/>
-          </a:effectRef>
-          <a:fontRef idx="minor">
-            <a:schemeClr val="tx1"/>
-          </a:fontRef>
-        </p:style>
-      </p:cxnSp>
-      <p:cxnSp>
-        <p:nvCxnSpPr>
-          <p:cNvPr id="25" name="Straight Connector 24"/>
-          <p:cNvCxnSpPr/>
-          <p:nvPr/>
-        </p:nvCxnSpPr>
-        <p:spPr>
-          <a:xfrm flipH="1" flipV="1">
-            <a:off x="1371600" y="4343400"/>
-            <a:ext cx="714004" cy="219199"/>
-          </a:xfrm>
-          <a:prstGeom prst="line">
-            <a:avLst/>
-          </a:prstGeom>
-          <a:ln>
-            <a:headEnd type="none" w="med" len="med"/>
-            <a:tailEnd type="arrow" w="med" len="med"/>
-          </a:ln>
-        </p:spPr>
-        <p:style>
-          <a:lnRef idx="2">
-            <a:schemeClr val="dk1"/>
-          </a:lnRef>
-          <a:fillRef idx="0">
-            <a:schemeClr val="dk1"/>
-          </a:fillRef>
-          <a:effectRef idx="1">
-            <a:schemeClr val="dk1"/>
-          </a:effectRef>
-          <a:fontRef idx="minor">
-            <a:schemeClr val="tx1"/>
-          </a:fontRef>
-        </p:style>
-      </p:cxnSp>
-      <p:sp>
-        <p:nvSpPr>
-          <p:cNvPr id="33" name="Rectangle 32"/>
-          <p:cNvSpPr/>
-          <p:nvPr/>
-        </p:nvSpPr>
-        <p:spPr>
-          <a:xfrm>
-            <a:off x="1371600" y="3200400"/>
-            <a:ext cx="190501" cy="228600"/>
-          </a:xfrm>
-          <a:prstGeom prst="rect">
-            <a:avLst/>
-          </a:prstGeom>
-        </p:spPr>
-        <p:style>
-          <a:lnRef idx="2">
-            <a:schemeClr val="accent2">
-              <a:shade val="50000"/>
-            </a:schemeClr>
-          </a:lnRef>
-          <a:fillRef idx="1">
-            <a:schemeClr val="accent2"/>
-          </a:fillRef>
-          <a:effectRef idx="0">
-            <a:schemeClr val="accent2"/>
-          </a:effectRef>
-          <a:fontRef idx="minor">
-            <a:schemeClr val="lt1"/>
-          </a:fontRef>
-        </p:style>
-        <p:txBody>
-          <a:bodyPr rtlCol="0" anchor="ctr"/>
-          <a:lstStyle/>
-          <a:p>
-            <a:pPr algn="ctr"/>
-            <a:endParaRPr lang="en-US"/>
-          </a:p>
-        </p:txBody>
-      </p:sp>
-      <p:sp>
-        <p:nvSpPr>
-          <p:cNvPr id="36" name="Parallelogram 35"/>
-          <p:cNvSpPr/>
-          <p:nvPr/>
-        </p:nvSpPr>
-        <p:spPr>
-          <a:xfrm>
-            <a:off x="1371599" y="2514600"/>
-            <a:ext cx="1143001" cy="914400"/>
-          </a:xfrm>
-          <a:prstGeom prst="parallelogram">
-            <a:avLst>
-              <a:gd name="adj" fmla="val 99571"/>
-            </a:avLst>
-          </a:prstGeom>
-          <a:ln>
-            <a:noFill/>
-          </a:ln>
-        </p:spPr>
-        <p:style>
-          <a:lnRef idx="2">
-            <a:schemeClr val="accent2">
-              <a:shade val="50000"/>
-            </a:schemeClr>
-          </a:lnRef>
-          <a:fillRef idx="1">
-            <a:schemeClr val="accent2"/>
-          </a:fillRef>
-          <a:effectRef idx="0">
-            <a:schemeClr val="accent2"/>
-          </a:effectRef>
-          <a:fontRef idx="minor">
-            <a:schemeClr val="lt1"/>
-          </a:fontRef>
-        </p:style>
-        <p:txBody>
-          <a:bodyPr rtlCol="0" anchor="ctr"/>
-          <a:lstStyle/>
-          <a:p>
-            <a:pPr algn="ctr"/>
-            <a:endParaRPr lang="en-US"/>
-          </a:p>
-        </p:txBody>
-      </p:sp>
-      <p:sp>
-        <p:nvSpPr>
-          <p:cNvPr id="37" name="Parallelogram 36"/>
-          <p:cNvSpPr/>
-          <p:nvPr/>
-        </p:nvSpPr>
-        <p:spPr>
-          <a:xfrm>
-            <a:off x="1371598" y="2286000"/>
-            <a:ext cx="1143001" cy="914400"/>
-          </a:xfrm>
-          <a:prstGeom prst="parallelogram">
-            <a:avLst>
-              <a:gd name="adj" fmla="val 99571"/>
-            </a:avLst>
-          </a:prstGeom>
-          <a:ln>
-            <a:noFill/>
-          </a:ln>
-        </p:spPr>
-        <p:style>
-          <a:lnRef idx="2">
-            <a:schemeClr val="accent2">
-              <a:shade val="50000"/>
-            </a:schemeClr>
-          </a:lnRef>
-          <a:fillRef idx="1">
-            <a:schemeClr val="accent2"/>
-          </a:fillRef>
-          <a:effectRef idx="0">
-            <a:schemeClr val="accent2"/>
-          </a:effectRef>
-          <a:fontRef idx="minor">
-            <a:schemeClr val="lt1"/>
-          </a:fontRef>
-        </p:style>
-        <p:txBody>
-          <a:bodyPr rtlCol="0" anchor="ctr"/>
-          <a:lstStyle/>
-          <a:p>
-            <a:pPr algn="ctr"/>
-            <a:endParaRPr lang="en-US"/>
-          </a:p>
-        </p:txBody>
-      </p:sp>
-      <p:sp>
-        <p:nvSpPr>
-          <p:cNvPr id="3" name="TextBox 2"/>
-          <p:cNvSpPr txBox="1"/>
-          <p:nvPr/>
-        </p:nvSpPr>
-        <p:spPr>
-          <a:xfrm>
-            <a:off x="457200" y="5715000"/>
-            <a:ext cx="3290760" cy="369332"/>
-          </a:xfrm>
-          <a:prstGeom prst="rect">
-            <a:avLst/>
-          </a:prstGeom>
-          <a:noFill/>
-        </p:spPr>
-        <p:txBody>
-          <a:bodyPr wrap="none" rtlCol="0">
-            <a:spAutoFit/>
-          </a:bodyPr>
-          <a:lstStyle/>
-          <a:p>
-            <a:r>
-              <a:rPr lang="en-US" dirty="0"/>
-              <a:t>Portion of Navigation benchmark</a:t>
-            </a:r>
-          </a:p>
-        </p:txBody>
-      </p:sp>
-      <mc:AlternateContent xmlns:mc="http://schemas.openxmlformats.org/markup-compatibility/2006" xmlns:a14="http://schemas.microsoft.com/office/drawing/2010/main">
-        <mc:Choice Requires="a14">
-          <p:sp>
-            <p:nvSpPr>
-              <p:cNvPr id="5" name="TextBox 4"/>
-              <p:cNvSpPr txBox="1"/>
-              <p:nvPr/>
-            </p:nvSpPr>
-            <p:spPr>
-              <a:xfrm>
-                <a:off x="512478" y="6096000"/>
-                <a:ext cx="5901103" cy="369332"/>
-              </a:xfrm>
-              <a:prstGeom prst="rect">
-                <a:avLst/>
-              </a:prstGeom>
-              <a:noFill/>
-            </p:spPr>
-            <p:txBody>
-              <a:bodyPr wrap="none" rtlCol="0">
-                <a:spAutoFit/>
-              </a:bodyPr>
-              <a:lstStyle/>
-              <a:p>
-                <a14:m>
-                  <m:oMath xmlns:m="http://schemas.openxmlformats.org/officeDocument/2006/math">
-                    <m:sSup>
-                      <m:sSupPr>
-                        <m:ctrlPr>
-                          <a:rPr lang="en-US" b="0" i="1" smtClean="0">
-                            <a:latin typeface="Cambria Math" panose="02040503050406030204" pitchFamily="18" charset="0"/>
-                          </a:rPr>
-                        </m:ctrlPr>
-                      </m:sSupPr>
-                      <m:e>
-                        <m:r>
-                          <a:rPr lang="en-US" b="0" i="1" smtClean="0">
-                            <a:latin typeface="Cambria Math"/>
-                          </a:rPr>
-                          <m:t>𝑥</m:t>
-                        </m:r>
-                      </m:e>
-                      <m:sup>
-                        <m:r>
-                          <a:rPr lang="en-US" b="0" i="1" smtClean="0">
-                            <a:latin typeface="Cambria Math"/>
-                          </a:rPr>
-                          <m:t>′</m:t>
-                        </m:r>
-                      </m:sup>
-                    </m:sSup>
-                    <m:r>
-                      <a:rPr lang="en-US" b="0" i="1" smtClean="0">
-                        <a:latin typeface="Cambria Math"/>
-                      </a:rPr>
-                      <m:t>=</m:t>
-                    </m:r>
-                    <m:r>
-                      <a:rPr lang="en-US" b="0" i="1" smtClean="0">
-                        <a:latin typeface="Cambria Math"/>
-                      </a:rPr>
-                      <m:t>𝑘</m:t>
-                    </m:r>
-                    <m:r>
-                      <a:rPr lang="en-US" b="0" i="1" smtClean="0">
-                        <a:latin typeface="Cambria Math"/>
-                      </a:rPr>
-                      <m:t>→</m:t>
-                    </m:r>
-                    <m:r>
-                      <a:rPr lang="en-US" b="0" i="1" smtClean="0">
-                        <a:latin typeface="Cambria Math"/>
-                      </a:rPr>
-                      <m:t>𝑃𝑜𝑠𝑡</m:t>
-                    </m:r>
-                    <m:d>
-                      <m:dPr>
-                        <m:ctrlPr>
-                          <a:rPr lang="en-US" b="0" i="1" smtClean="0">
-                            <a:latin typeface="Cambria Math" panose="02040503050406030204" pitchFamily="18" charset="0"/>
-                          </a:rPr>
-                        </m:ctrlPr>
-                      </m:dPr>
-                      <m:e>
-                        <m:d>
-                          <m:dPr>
-                            <m:begChr m:val="["/>
-                            <m:endChr m:val="]"/>
-                            <m:ctrlPr>
-                              <a:rPr lang="en-US" b="0" i="1" smtClean="0">
-                                <a:latin typeface="Cambria Math" panose="02040503050406030204" pitchFamily="18" charset="0"/>
-                              </a:rPr>
-                            </m:ctrlPr>
-                          </m:dPr>
-                          <m:e>
-                            <m:sSub>
-                              <m:sSubPr>
-                                <m:ctrlPr>
-                                  <a:rPr lang="en-US" b="0" i="1" smtClean="0">
-                                    <a:latin typeface="Cambria Math" panose="02040503050406030204" pitchFamily="18" charset="0"/>
-                                  </a:rPr>
-                                </m:ctrlPr>
-                              </m:sSubPr>
-                              <m:e>
-                                <m:r>
-                                  <a:rPr lang="en-US" b="0" i="1" smtClean="0">
-                                    <a:latin typeface="Cambria Math"/>
-                                  </a:rPr>
-                                  <m:t>𝑎</m:t>
-                                </m:r>
-                              </m:e>
-                              <m:sub>
-                                <m:r>
-                                  <a:rPr lang="en-US" b="0" i="1" smtClean="0">
-                                    <a:latin typeface="Cambria Math"/>
-                                  </a:rPr>
-                                  <m:t>1</m:t>
-                                </m:r>
-                              </m:sub>
-                            </m:sSub>
-                            <m:r>
-                              <a:rPr lang="en-US" b="0" i="1" smtClean="0">
-                                <a:latin typeface="Cambria Math"/>
-                              </a:rPr>
-                              <m:t>, </m:t>
-                            </m:r>
-                            <m:sSub>
-                              <m:sSubPr>
-                                <m:ctrlPr>
-                                  <a:rPr lang="en-US" b="0" i="1" smtClean="0">
-                                    <a:latin typeface="Cambria Math" panose="02040503050406030204" pitchFamily="18" charset="0"/>
-                                  </a:rPr>
-                                </m:ctrlPr>
-                              </m:sSubPr>
-                              <m:e>
-                                <m:r>
-                                  <a:rPr lang="en-US" b="0" i="1" smtClean="0">
-                                    <a:latin typeface="Cambria Math"/>
-                                  </a:rPr>
-                                  <m:t>𝑎</m:t>
-                                </m:r>
-                              </m:e>
-                              <m:sub>
-                                <m:r>
-                                  <a:rPr lang="en-US" b="0" i="1" smtClean="0">
-                                    <a:latin typeface="Cambria Math"/>
-                                  </a:rPr>
-                                  <m:t>2</m:t>
-                                </m:r>
-                              </m:sub>
-                            </m:sSub>
-                          </m:e>
-                        </m:d>
-                      </m:e>
-                    </m:d>
-                    <m:r>
-                      <a:rPr lang="en-US" b="0" i="1" smtClean="0">
-                        <a:latin typeface="Cambria Math"/>
-                      </a:rPr>
-                      <m:t>=∃</m:t>
-                    </m:r>
-                    <m:r>
-                      <a:rPr lang="en-US" b="0" i="1" smtClean="0">
-                        <a:latin typeface="Cambria Math"/>
-                      </a:rPr>
-                      <m:t>𝑡</m:t>
-                    </m:r>
-                    <m:r>
-                      <a:rPr lang="en-US" b="0" i="1" smtClean="0">
-                        <a:latin typeface="Cambria Math"/>
-                      </a:rPr>
-                      <m:t> </m:t>
-                    </m:r>
-                    <m:d>
-                      <m:dPr>
-                        <m:begChr m:val="["/>
-                        <m:endChr m:val="]"/>
-                        <m:ctrlPr>
-                          <a:rPr lang="en-US" b="0" i="1" smtClean="0">
-                            <a:latin typeface="Cambria Math" panose="02040503050406030204" pitchFamily="18" charset="0"/>
-                          </a:rPr>
-                        </m:ctrlPr>
-                      </m:dPr>
-                      <m:e>
-                        <m:sSub>
-                          <m:sSubPr>
-                            <m:ctrlPr>
-                              <a:rPr lang="en-US" b="0" i="1" smtClean="0">
-                                <a:latin typeface="Cambria Math" panose="02040503050406030204" pitchFamily="18" charset="0"/>
-                              </a:rPr>
-                            </m:ctrlPr>
-                          </m:sSubPr>
-                          <m:e>
-                            <m:r>
-                              <a:rPr lang="en-US" b="0" i="1" smtClean="0">
-                                <a:latin typeface="Cambria Math"/>
-                              </a:rPr>
-                              <m:t>𝑎</m:t>
-                            </m:r>
-                          </m:e>
-                          <m:sub>
-                            <m:r>
-                              <a:rPr lang="en-US" b="0" i="1" smtClean="0">
-                                <a:latin typeface="Cambria Math"/>
-                              </a:rPr>
-                              <m:t>1</m:t>
-                            </m:r>
-                          </m:sub>
-                        </m:sSub>
-                        <m:r>
-                          <a:rPr lang="en-US" b="0" i="1" smtClean="0">
-                            <a:latin typeface="Cambria Math"/>
-                          </a:rPr>
-                          <m:t>+</m:t>
-                        </m:r>
-                        <m:r>
-                          <a:rPr lang="en-US" b="0" i="1" smtClean="0">
-                            <a:latin typeface="Cambria Math"/>
-                          </a:rPr>
-                          <m:t>𝑘𝑡</m:t>
-                        </m:r>
-                        <m:r>
-                          <a:rPr lang="en-US" b="0" i="1" smtClean="0">
-                            <a:latin typeface="Cambria Math"/>
-                          </a:rPr>
-                          <m:t>, </m:t>
-                        </m:r>
-                        <m:sSub>
-                          <m:sSubPr>
-                            <m:ctrlPr>
-                              <a:rPr lang="en-US" b="0" i="1" smtClean="0">
-                                <a:latin typeface="Cambria Math" panose="02040503050406030204" pitchFamily="18" charset="0"/>
-                              </a:rPr>
-                            </m:ctrlPr>
-                          </m:sSubPr>
-                          <m:e>
-                            <m:r>
-                              <a:rPr lang="en-US" b="0" i="1" smtClean="0">
-                                <a:latin typeface="Cambria Math"/>
-                              </a:rPr>
-                              <m:t>𝑎</m:t>
-                            </m:r>
-                          </m:e>
-                          <m:sub>
-                            <m:r>
-                              <a:rPr lang="en-US" b="0" i="1" smtClean="0">
-                                <a:latin typeface="Cambria Math"/>
-                              </a:rPr>
-                              <m:t>2</m:t>
-                            </m:r>
-                          </m:sub>
-                        </m:sSub>
-                        <m:r>
-                          <a:rPr lang="en-US" b="0" i="1" smtClean="0">
-                            <a:latin typeface="Cambria Math"/>
-                          </a:rPr>
-                          <m:t>+</m:t>
-                        </m:r>
-                        <m:r>
-                          <a:rPr lang="en-US" b="0" i="1" smtClean="0">
-                            <a:latin typeface="Cambria Math"/>
-                          </a:rPr>
-                          <m:t>𝑘𝑡</m:t>
-                        </m:r>
-                      </m:e>
-                    </m:d>
-                    <m:r>
-                      <a:rPr lang="en-US" b="0" i="1" smtClean="0">
-                        <a:latin typeface="Cambria Math"/>
-                      </a:rPr>
-                      <m:t>=[</m:t>
-                    </m:r>
-                    <m:sSub>
-                      <m:sSubPr>
-                        <m:ctrlPr>
-                          <a:rPr lang="en-US" b="0" i="1" smtClean="0">
-                            <a:latin typeface="Cambria Math" panose="02040503050406030204" pitchFamily="18" charset="0"/>
-                          </a:rPr>
-                        </m:ctrlPr>
-                      </m:sSubPr>
-                      <m:e>
-                        <m:r>
-                          <a:rPr lang="en-US" b="0" i="1" smtClean="0">
-                            <a:latin typeface="Cambria Math"/>
-                          </a:rPr>
-                          <m:t>𝑎</m:t>
-                        </m:r>
-                      </m:e>
-                      <m:sub>
-                        <m:r>
-                          <a:rPr lang="en-US" b="0" i="1" smtClean="0">
-                            <a:latin typeface="Cambria Math"/>
-                          </a:rPr>
-                          <m:t>1</m:t>
-                        </m:r>
-                      </m:sub>
-                    </m:sSub>
-                    <m:r>
-                      <a:rPr lang="en-US" b="0" i="1" smtClean="0">
-                        <a:latin typeface="Cambria Math"/>
-                      </a:rPr>
-                      <m:t>,</m:t>
-                    </m:r>
-                    <m:r>
-                      <a:rPr lang="en-US" b="0" i="1" smtClean="0">
-                        <a:latin typeface="Cambria Math"/>
-                        <a:ea typeface="Cambria Math"/>
-                      </a:rPr>
-                      <m:t>∞]</m:t>
-                    </m:r>
-                  </m:oMath>
-                </a14:m>
-                <a:r>
-                  <a:rPr lang="en-US" dirty="0"/>
-                  <a:t>  </a:t>
-                </a:r>
-              </a:p>
-            </p:txBody>
-          </p:sp>
-        </mc:Choice>
-        <mc:Fallback xmlns="">
-          <p:sp>
-            <p:nvSpPr>
-              <p:cNvPr id="5" name="TextBox 4"/>
-              <p:cNvSpPr txBox="1">
-                <a:spLocks noRot="1" noChangeAspect="1" noMove="1" noResize="1" noEditPoints="1" noAdjustHandles="1" noChangeArrowheads="1" noChangeShapeType="1" noTextEdit="1"/>
-              </p:cNvSpPr>
-              <p:nvPr/>
-            </p:nvSpPr>
-            <p:spPr>
-              <a:xfrm>
-                <a:off x="512478" y="6096000"/>
-                <a:ext cx="5901103" cy="369332"/>
-              </a:xfrm>
-              <a:prstGeom prst="rect">
-                <a:avLst/>
-              </a:prstGeom>
-              <a:blipFill rotWithShape="1">
-                <a:blip r:embed="rId3"/>
-                <a:stretch>
-                  <a:fillRect b="-14754"/>
-                </a:stretch>
-              </a:blipFill>
-            </p:spPr>
-            <p:txBody>
-              <a:bodyPr/>
-              <a:lstStyle/>
-              <a:p>
-                <a:r>
-                  <a:rPr lang="en-US">
-                    <a:noFill/>
-                  </a:rPr>
-                  <a:t> </a:t>
-                </a:r>
-              </a:p>
-            </p:txBody>
-          </p:sp>
-        </mc:Fallback>
-      </mc:AlternateContent>
-      <p:sp>
-        <p:nvSpPr>
-          <p:cNvPr id="7" name="TextBox 6"/>
-          <p:cNvSpPr txBox="1"/>
-          <p:nvPr/>
-        </p:nvSpPr>
-        <p:spPr>
-          <a:xfrm>
-            <a:off x="457200" y="6412468"/>
-            <a:ext cx="5874325" cy="369332"/>
-          </a:xfrm>
-          <a:prstGeom prst="rect">
-            <a:avLst/>
-          </a:prstGeom>
-          <a:noFill/>
-        </p:spPr>
-        <p:txBody>
-          <a:bodyPr wrap="none" rtlCol="0">
-            <a:spAutoFit/>
-          </a:bodyPr>
-          <a:lstStyle/>
-          <a:p>
-            <a:r>
-              <a:rPr lang="en-US" dirty="0"/>
-              <a:t>the state is reachable if there exists a time when we reach it.</a:t>
-            </a:r>
-          </a:p>
-        </p:txBody>
-      </p:sp>
-      <p:sp>
-        <p:nvSpPr>
-          <p:cNvPr id="9" name="Footer Placeholder 8"/>
-          <p:cNvSpPr>
-            <a:spLocks noGrp="1"/>
-          </p:cNvSpPr>
-          <p:nvPr>
-            <p:ph type="ftr" sz="quarter" idx="11"/>
-          </p:nvPr>
-        </p:nvSpPr>
-        <p:spPr/>
-        <p:txBody>
-          <a:bodyPr/>
-          <a:lstStyle/>
-          <a:p>
-            <a:r>
-              <a:rPr lang="en-US"/>
-              <a:t>Lecture Slides </a:t>
-            </a:r>
-            <a:r>
-              <a:rPr lang="de-DE"/>
-              <a:t>by </a:t>
-            </a:r>
-            <a:r>
-              <a:rPr lang="en-US"/>
-              <a:t>Sayan Mitra</a:t>
-            </a:r>
-            <a:r>
-              <a:rPr lang="de-DE"/>
-              <a:t> mitras@illinois.edu</a:t>
-            </a:r>
-            <a:endParaRPr lang="en-US" dirty="0"/>
-          </a:p>
-        </p:txBody>
-      </p:sp>
+      </p:pic>
     </p:spTree>
     <p:extLst>
       <p:ext uri="{BB962C8B-B14F-4D97-AF65-F5344CB8AC3E}">
-        <p14:creationId xmlns:p14="http://schemas.microsoft.com/office/powerpoint/2010/main" val="704930454"/>
+        <p14:creationId xmlns:p14="http://schemas.microsoft.com/office/powerpoint/2010/main" val="3648425899"/>
       </p:ext>
     </p:extLst>
   </p:cSld>
   <p:clrMapOvr>
     <a:masterClrMapping/>
   </p:clrMapOvr>
-  <p:timing>
-    <p:tnLst>
-      <p:par>
-        <p:cTn id="1" dur="indefinite" restart="never" nodeType="tmRoot">
-          <p:childTnLst>
-            <p:seq concurrent="1" nextAc="seek">
-              <p:cTn id="2" dur="indefinite" nodeType="mainSeq">
-                <p:childTnLst>
-                  <p:par>
-                    <p:cTn id="3" fill="hold">
-                      <p:stCondLst>
-                        <p:cond delay="indefinite"/>
-                      </p:stCondLst>
-                      <p:childTnLst>
-                        <p:par>
-                          <p:cTn id="4" fill="hold">
-                            <p:stCondLst>
-                              <p:cond delay="0"/>
-                            </p:stCondLst>
-                            <p:childTnLst>
-                              <p:par>
-                                <p:cTn id="5" presetID="10" presetClass="entr" presetSubtype="0" fill="hold" grpId="0" nodeType="clickEffect">
-                                  <p:stCondLst>
-                                    <p:cond delay="0"/>
-                                  </p:stCondLst>
-                                  <p:childTnLst>
-                                    <p:set>
-                                      <p:cBhvr>
-                                        <p:cTn id="6" dur="1" fill="hold">
-                                          <p:stCondLst>
-                                            <p:cond delay="0"/>
-                                          </p:stCondLst>
-                                        </p:cTn>
-                                        <p:tgtEl>
-                                          <p:spTgt spid="37"/>
-                                        </p:tgtEl>
-                                        <p:attrNameLst>
-                                          <p:attrName>style.visibility</p:attrName>
-                                        </p:attrNameLst>
-                                      </p:cBhvr>
-                                      <p:to>
-                                        <p:strVal val="visible"/>
-                                      </p:to>
-                                    </p:set>
-                                    <p:animEffect transition="in" filter="fade">
-                                      <p:cBhvr>
-                                        <p:cTn id="7" dur="500"/>
-                                        <p:tgtEl>
-                                          <p:spTgt spid="37"/>
-                                        </p:tgtEl>
-                                      </p:cBhvr>
-                                    </p:animEffect>
-                                  </p:childTnLst>
-                                </p:cTn>
-                              </p:par>
-                              <p:par>
-                                <p:cTn id="8" presetID="10" presetClass="entr" presetSubtype="0" fill="hold" grpId="0" nodeType="withEffect">
-                                  <p:stCondLst>
-                                    <p:cond delay="0"/>
-                                  </p:stCondLst>
-                                  <p:childTnLst>
-                                    <p:set>
-                                      <p:cBhvr>
-                                        <p:cTn id="9" dur="1" fill="hold">
-                                          <p:stCondLst>
-                                            <p:cond delay="0"/>
-                                          </p:stCondLst>
-                                        </p:cTn>
-                                        <p:tgtEl>
-                                          <p:spTgt spid="36"/>
-                                        </p:tgtEl>
-                                        <p:attrNameLst>
-                                          <p:attrName>style.visibility</p:attrName>
-                                        </p:attrNameLst>
-                                      </p:cBhvr>
-                                      <p:to>
-                                        <p:strVal val="visible"/>
-                                      </p:to>
-                                    </p:set>
-                                    <p:animEffect transition="in" filter="fade">
-                                      <p:cBhvr>
-                                        <p:cTn id="10" dur="500"/>
-                                        <p:tgtEl>
-                                          <p:spTgt spid="36"/>
-                                        </p:tgtEl>
-                                      </p:cBhvr>
-                                    </p:animEffect>
-                                  </p:childTnLst>
-                                </p:cTn>
-                              </p:par>
-                            </p:childTnLst>
-                          </p:cTn>
-                        </p:par>
-                      </p:childTnLst>
-                    </p:cTn>
-                  </p:par>
-                </p:childTnLst>
-              </p:cTn>
-              <p:prevCondLst>
-                <p:cond evt="onPrev" delay="0">
-                  <p:tgtEl>
-                    <p:sldTgt/>
-                  </p:tgtEl>
-                </p:cond>
-              </p:prevCondLst>
-              <p:nextCondLst>
-                <p:cond evt="onNext" delay="0">
-                  <p:tgtEl>
-                    <p:sldTgt/>
-                  </p:tgtEl>
-                </p:cond>
-              </p:nextCondLst>
-            </p:seq>
-          </p:childTnLst>
-        </p:cTn>
-      </p:par>
-    </p:tnLst>
-    <p:bldLst>
-      <p:bldP spid="36" grpId="0" animBg="1"/>
-      <p:bldP spid="37" grpId="0" animBg="1"/>
-    </p:bldLst>
-  </p:timing>
 </p:sld>
 </file>
 
@@ -32241,6 +30852,94 @@
       </p:grpSpPr>
       <p:sp>
         <p:nvSpPr>
+          <p:cNvPr id="2" name="Title 1">
+            <a:extLst>
+              <a:ext uri="{FF2B5EF4-FFF2-40B4-BE49-F238E27FC236}">
+                <a16:creationId xmlns:a16="http://schemas.microsoft.com/office/drawing/2014/main" id="{64974A62-9027-A54F-92EC-AFDBC4957478}"/>
+              </a:ext>
+            </a:extLst>
+          </p:cNvPr>
+          <p:cNvSpPr>
+            <a:spLocks noGrp="1"/>
+          </p:cNvSpPr>
+          <p:nvPr>
+            <p:ph type="title"/>
+          </p:nvPr>
+        </p:nvSpPr>
+        <p:spPr/>
+        <p:txBody>
+          <a:bodyPr/>
+          <a:lstStyle/>
+          <a:p>
+            <a:r>
+              <a:rPr lang="en-US" dirty="0"/>
+              <a:t>Zonotopes and polytopes</a:t>
+            </a:r>
+          </a:p>
+        </p:txBody>
+      </p:sp>
+      <p:pic>
+        <p:nvPicPr>
+          <p:cNvPr id="5" name="Picture 4">
+            <a:extLst>
+              <a:ext uri="{FF2B5EF4-FFF2-40B4-BE49-F238E27FC236}">
+                <a16:creationId xmlns:a16="http://schemas.microsoft.com/office/drawing/2014/main" id="{9843087D-FE68-094F-8A05-54EC853BADDB}"/>
+              </a:ext>
+            </a:extLst>
+          </p:cNvPr>
+          <p:cNvPicPr>
+            <a:picLocks noChangeAspect="1"/>
+          </p:cNvPicPr>
+          <p:nvPr/>
+        </p:nvPicPr>
+        <p:blipFill>
+          <a:blip r:embed="rId2"/>
+          <a:stretch>
+            <a:fillRect/>
+          </a:stretch>
+        </p:blipFill>
+        <p:spPr>
+          <a:xfrm>
+            <a:off x="874471" y="1277505"/>
+            <a:ext cx="7846965" cy="5319712"/>
+          </a:xfrm>
+          <a:prstGeom prst="rect">
+            <a:avLst/>
+          </a:prstGeom>
+        </p:spPr>
+      </p:pic>
+    </p:spTree>
+    <p:extLst>
+      <p:ext uri="{BB962C8B-B14F-4D97-AF65-F5344CB8AC3E}">
+        <p14:creationId xmlns:p14="http://schemas.microsoft.com/office/powerpoint/2010/main" val="4285739451"/>
+      </p:ext>
+    </p:extLst>
+  </p:cSld>
+  <p:clrMapOvr>
+    <a:masterClrMapping/>
+  </p:clrMapOvr>
+</p:sld>
+</file>
+
+<file path=ppt/slides/slide41.xml><?xml version="1.0" encoding="utf-8"?>
+<p:sld xmlns:a="http://schemas.openxmlformats.org/drawingml/2006/main" xmlns:r="http://schemas.openxmlformats.org/officeDocument/2006/relationships" xmlns:p="http://schemas.openxmlformats.org/presentationml/2006/main">
+  <p:cSld>
+    <p:spTree>
+      <p:nvGrpSpPr>
+        <p:cNvPr id="1" name=""/>
+        <p:cNvGrpSpPr/>
+        <p:nvPr/>
+      </p:nvGrpSpPr>
+      <p:grpSpPr>
+        <a:xfrm>
+          <a:off x="0" y="0"/>
+          <a:ext cx="0" cy="0"/>
+          <a:chOff x="0" y="0"/>
+          <a:chExt cx="0" cy="0"/>
+        </a:xfrm>
+      </p:grpSpPr>
+      <p:sp>
+        <p:nvSpPr>
           <p:cNvPr id="2" name="Title 1"/>
           <p:cNvSpPr>
             <a:spLocks noGrp="1"/>
@@ -32280,7 +30979,7 @@
           <a:p>
             <a:r>
               <a:rPr lang="en-US" dirty="0"/>
-              <a:t>ITA: (very) Restricted class of hybrid automata</a:t>
+              <a:t>ITA: Restricted class of hybrid automata</a:t>
             </a:r>
           </a:p>
           <a:p>
@@ -32314,13 +31013,11 @@
           <a:p>
             <a:r>
               <a:rPr lang="en-US" dirty="0"/>
-              <a:t>Rational coefficients</a:t>
+              <a:t>Rational coefficients; </a:t>
             </a:r>
-          </a:p>
-          <a:p>
             <a:r>
               <a:rPr lang="en-US" dirty="0" err="1"/>
-              <a:t>Multirate</a:t>
+              <a:t>multirate</a:t>
             </a:r>
             <a:r>
               <a:rPr lang="en-US" dirty="0"/>
